--- a/KM/ppt/2020/读写锁.pptx
+++ b/KM/ppt/2020/读写锁.pptx
@@ -232,7 +232,7 @@
             <a:fld id="{E9630DBF-D010-4114-9DE3-41E342A27C18}" type="datetimeFigureOut">
               <a:rPr lang="zh-CN" altLang="en-US" smtClean="0"/>
               <a:pPr/>
-              <a:t>2020/1/13</a:t>
+              <a:t>2020/1/16</a:t>
             </a:fld>
             <a:endParaRPr lang="zh-CN" altLang="en-US"/>
           </a:p>
@@ -402,7 +402,7 @@
               <a:pPr>
                 <a:defRPr/>
               </a:pPr>
-              <a:t>2020/1/13</a:t>
+              <a:t>2020/1/16</a:t>
             </a:fld>
             <a:endParaRPr lang="zh-CN" altLang="en-US"/>
           </a:p>
@@ -980,7 +980,7 @@
             <a:fld id="{32BF82D2-7A68-459D-A996-9BDDA2518FA4}" type="datetimeFigureOut">
               <a:rPr lang="zh-CN" altLang="en-US" smtClean="0"/>
               <a:pPr/>
-              <a:t>2020/1/13</a:t>
+              <a:t>2020/1/16</a:t>
             </a:fld>
             <a:endParaRPr lang="zh-CN" altLang="en-US"/>
           </a:p>
@@ -1102,7 +1102,7 @@
             <a:fld id="{32BF82D2-7A68-459D-A996-9BDDA2518FA4}" type="datetimeFigureOut">
               <a:rPr lang="zh-CN" altLang="en-US" smtClean="0"/>
               <a:pPr/>
-              <a:t>2020/1/13</a:t>
+              <a:t>2020/1/16</a:t>
             </a:fld>
             <a:endParaRPr lang="zh-CN" altLang="en-US"/>
           </a:p>
@@ -1885,7 +1885,7 @@
             <a:fld id="{32BF82D2-7A68-459D-A996-9BDDA2518FA4}" type="datetimeFigureOut">
               <a:rPr lang="zh-CN" altLang="en-US" smtClean="0"/>
               <a:pPr/>
-              <a:t>2020/1/13</a:t>
+              <a:t>2020/1/16</a:t>
             </a:fld>
             <a:endParaRPr lang="zh-CN" altLang="en-US"/>
           </a:p>
@@ -2689,18 +2689,7 @@
                 <a:ea typeface="微软雅黑" panose="020B0503020204020204" pitchFamily="34" charset="-122"/>
                 <a:sym typeface="Arial" panose="020B0604020202020204" pitchFamily="34" charset="0"/>
               </a:rPr>
-              <a:t>读</a:t>
-            </a:r>
-            <a:r>
-              <a:rPr lang="zh-CN" altLang="en-US" sz="3600" dirty="0" smtClean="0">
-                <a:solidFill>
-                  <a:schemeClr val="bg1"/>
-                </a:solidFill>
-                <a:latin typeface="Arial" panose="020B0604020202020204" pitchFamily="34" charset="0"/>
-                <a:ea typeface="微软雅黑" panose="020B0503020204020204" pitchFamily="34" charset="-122"/>
-                <a:sym typeface="Arial" panose="020B0604020202020204" pitchFamily="34" charset="0"/>
-              </a:rPr>
-              <a:t>写锁</a:t>
+              <a:t>读写锁</a:t>
             </a:r>
             <a:endParaRPr lang="zh-CN" altLang="en-US" sz="3600" dirty="0">
               <a:solidFill>
@@ -3443,13 +3432,46 @@
           </a:p>
         </p:txBody>
       </p:sp>
+      <p:pic>
+        <p:nvPicPr>
+          <p:cNvPr id="1027" name="Picture 3"/>
+          <p:cNvPicPr>
+            <a:picLocks noChangeAspect="1" noChangeArrowheads="1"/>
+          </p:cNvPicPr>
+          <p:nvPr/>
+        </p:nvPicPr>
+        <p:blipFill>
+          <a:blip r:embed="rId9"/>
+          <a:srcRect/>
+          <a:stretch>
+            <a:fillRect/>
+          </a:stretch>
+        </p:blipFill>
+        <p:spPr bwMode="auto">
+          <a:xfrm>
+            <a:off x="214269" y="615929"/>
+            <a:ext cx="4857750" cy="5810250"/>
+          </a:xfrm>
+          <a:prstGeom prst="rect">
+            <a:avLst/>
+          </a:prstGeom>
+          <a:noFill/>
+          <a:ln w="9525">
+            <a:noFill/>
+            <a:miter lim="800000"/>
+            <a:headEnd/>
+            <a:tailEnd/>
+          </a:ln>
+          <a:effectLst/>
+        </p:spPr>
+      </p:pic>
     </p:spTree>
   </p:cSld>
   <p:clrMapOvr>
     <a:masterClrMapping/>
   </p:clrMapOvr>
   <mc:AlternateContent xmlns:mc="http://schemas.openxmlformats.org/markup-compatibility/2006">
-    <mc:Choice xmlns:p15="http://schemas.microsoft.com/office/powerpoint/2012/main" xmlns="" Requires="p15">
+    <mc:Choice xmlns="" xmlns:p15="http://schemas.microsoft.com/office/powerpoint/2012/main" Requires="p15">
       <p:transition xmlns:p14="http://schemas.microsoft.com/office/powerpoint/2010/main" spd="slow" Requires="p14" p14:dur="1250" advTm="4000">
         <p15:prstTrans prst="airplane"/>
       </p:transition>
@@ -4223,18 +4245,7 @@
                   <a:ea typeface="微软雅黑" panose="020B0503020204020204" pitchFamily="34" charset="-122"/>
                   <a:sym typeface="Arial" panose="020B0604020202020204" pitchFamily="34" charset="0"/>
                 </a:rPr>
-                <a:t>使用</a:t>
-              </a:r>
-              <a:r>
-                <a:rPr lang="zh-CN" altLang="en-US" dirty="0" smtClean="0">
-                  <a:solidFill>
-                    <a:srgbClr val="FF0000"/>
-                  </a:solidFill>
-                  <a:latin typeface="Arial" panose="020B0604020202020204" pitchFamily="34" charset="0"/>
-                  <a:ea typeface="微软雅黑" panose="020B0503020204020204" pitchFamily="34" charset="-122"/>
-                  <a:sym typeface="Arial" panose="020B0604020202020204" pitchFamily="34" charset="0"/>
-                </a:rPr>
-                <a:t>互斥锁和条件变量实现 </a:t>
+                <a:t>使用互斥锁和条件变量实现 </a:t>
               </a:r>
               <a:r>
                 <a:rPr lang="en-US" altLang="zh-CN" dirty="0" smtClean="0">
@@ -4432,18 +4443,7 @@
                   <a:ea typeface="微软雅黑" panose="020B0503020204020204" pitchFamily="34" charset="-122"/>
                   <a:sym typeface="Arial" panose="020B0604020202020204" pitchFamily="34" charset="0"/>
                 </a:rPr>
-                <a:t> </a:t>
-              </a:r>
-              <a:r>
-                <a:rPr lang="en-US" altLang="zh-CN" sz="1400" dirty="0" smtClean="0">
-                  <a:solidFill>
-                    <a:schemeClr val="bg1"/>
-                  </a:solidFill>
-                  <a:latin typeface="Arial" panose="020B0604020202020204" pitchFamily="34" charset="0"/>
-                  <a:ea typeface="微软雅黑" panose="020B0503020204020204" pitchFamily="34" charset="-122"/>
-                  <a:sym typeface="Arial" panose="020B0604020202020204" pitchFamily="34" charset="0"/>
-                </a:rPr>
-                <a:t>                 </a:t>
+                <a:t>                  </a:t>
               </a:r>
             </a:p>
             <a:p>
@@ -4520,27 +4520,8 @@
                   <a:ea typeface="微软雅黑" panose="020B0503020204020204" pitchFamily="34" charset="-122"/>
                   <a:sym typeface="Arial" panose="020B0604020202020204" pitchFamily="34" charset="0"/>
                 </a:rPr>
-                <a:t> </a:t>
+                <a:t> rwmutex.go</a:t>
               </a:r>
-              <a:r>
-                <a:rPr lang="en-US" altLang="zh-CN" sz="1400" dirty="0" smtClean="0">
-                  <a:solidFill>
-                    <a:schemeClr val="bg1"/>
-                  </a:solidFill>
-                  <a:latin typeface="Arial" panose="020B0604020202020204" pitchFamily="34" charset="0"/>
-                  <a:ea typeface="微软雅黑" panose="020B0503020204020204" pitchFamily="34" charset="-122"/>
-                  <a:sym typeface="Arial" panose="020B0604020202020204" pitchFamily="34" charset="0"/>
-                </a:rPr>
-                <a:t>rwmutex.go</a:t>
-              </a:r>
-              <a:endParaRPr lang="en-US" altLang="zh-CN" sz="1400" dirty="0" smtClean="0">
-                <a:solidFill>
-                  <a:schemeClr val="bg1"/>
-                </a:solidFill>
-                <a:latin typeface="Arial" panose="020B0604020202020204" pitchFamily="34" charset="0"/>
-                <a:ea typeface="微软雅黑" panose="020B0503020204020204" pitchFamily="34" charset="-122"/>
-                <a:sym typeface="Arial" panose="020B0604020202020204" pitchFamily="34" charset="0"/>
-              </a:endParaRPr>
             </a:p>
             <a:p>
               <a:pPr>
@@ -4557,18 +4538,7 @@
                   <a:ea typeface="微软雅黑" panose="020B0503020204020204" pitchFamily="34" charset="-122"/>
                   <a:sym typeface="Arial" panose="020B0604020202020204" pitchFamily="34" charset="0"/>
                 </a:rPr>
-                <a:t> </a:t>
-              </a:r>
-              <a:r>
-                <a:rPr lang="en-US" altLang="zh-CN" sz="2000" dirty="0" smtClean="0">
-                  <a:solidFill>
-                    <a:schemeClr val="bg1"/>
-                  </a:solidFill>
-                  <a:latin typeface="Arial" panose="020B0604020202020204" pitchFamily="34" charset="0"/>
-                  <a:ea typeface="微软雅黑" panose="020B0503020204020204" pitchFamily="34" charset="-122"/>
-                  <a:sym typeface="Arial" panose="020B0604020202020204" pitchFamily="34" charset="0"/>
-                </a:rPr>
-                <a:t>          </a:t>
+                <a:t>           </a:t>
               </a:r>
             </a:p>
             <a:p>
@@ -4653,18 +4623,7 @@
                   <a:ea typeface="微软雅黑" panose="020B0503020204020204" pitchFamily="34" charset="-122"/>
                   <a:sym typeface="Arial" panose="020B0604020202020204" pitchFamily="34" charset="0"/>
                 </a:rPr>
-                <a:t> </a:t>
-              </a:r>
-              <a:r>
-                <a:rPr lang="en-US" altLang="zh-CN" sz="2000" dirty="0" smtClean="0">
-                  <a:solidFill>
-                    <a:srgbClr val="FFC000"/>
-                  </a:solidFill>
-                  <a:latin typeface="Arial" panose="020B0604020202020204" pitchFamily="34" charset="0"/>
-                  <a:ea typeface="微软雅黑" panose="020B0503020204020204" pitchFamily="34" charset="-122"/>
-                  <a:sym typeface="Arial" panose="020B0604020202020204" pitchFamily="34" charset="0"/>
-                </a:rPr>
-                <a:t>   </a:t>
+                <a:t>    </a:t>
               </a:r>
               <a:r>
                 <a:rPr lang="zh-CN" altLang="en-US" sz="2000" dirty="0" smtClean="0">
@@ -4720,20 +4679,7 @@
                   <a:ea typeface="微软雅黑" panose="020B0503020204020204" pitchFamily="34" charset="-122"/>
                   <a:sym typeface="Arial" panose="020B0604020202020204" pitchFamily="34" charset="0"/>
                 </a:rPr>
-                <a:t> </a:t>
-              </a:r>
-              <a:r>
-                <a:rPr lang="en-US" altLang="zh-CN" sz="2000" dirty="0" smtClean="0">
-                  <a:solidFill>
-                    <a:schemeClr val="bg1">
-                      <a:lumMod val="65000"/>
-                    </a:schemeClr>
-                  </a:solidFill>
-                  <a:latin typeface="Arial" panose="020B0604020202020204" pitchFamily="34" charset="0"/>
-                  <a:ea typeface="微软雅黑" panose="020B0503020204020204" pitchFamily="34" charset="-122"/>
-                  <a:sym typeface="Arial" panose="020B0604020202020204" pitchFamily="34" charset="0"/>
-                </a:rPr>
-                <a:t>       </a:t>
+                <a:t>        </a:t>
               </a:r>
               <a:r>
                 <a:rPr lang="en-US" altLang="zh-CN" sz="1400" dirty="0" smtClean="0">
@@ -4811,20 +4757,7 @@
                   <a:ea typeface="微软雅黑" panose="020B0503020204020204" pitchFamily="34" charset="-122"/>
                   <a:sym typeface="Arial" panose="020B0604020202020204" pitchFamily="34" charset="0"/>
                 </a:rPr>
-                <a:t>：</a:t>
-              </a:r>
-              <a:r>
-                <a:rPr lang="zh-CN" altLang="en-US" sz="1400" dirty="0" smtClean="0">
-                  <a:solidFill>
-                    <a:schemeClr val="bg1">
-                      <a:lumMod val="65000"/>
-                    </a:schemeClr>
-                  </a:solidFill>
-                  <a:latin typeface="Arial" panose="020B0604020202020204" pitchFamily="34" charset="0"/>
-                  <a:ea typeface="微软雅黑" panose="020B0503020204020204" pitchFamily="34" charset="-122"/>
-                  <a:sym typeface="Arial" panose="020B0604020202020204" pitchFamily="34" charset="0"/>
-                </a:rPr>
-                <a:t>进程间通信</a:t>
+                <a:t>：进程间通信</a:t>
               </a:r>
               <a:r>
                 <a:rPr lang="en-US" altLang="zh-CN" sz="1400" dirty="0" smtClean="0">
@@ -4880,20 +4813,7 @@
                   <a:ea typeface="微软雅黑" panose="020B0503020204020204" pitchFamily="34" charset="-122"/>
                   <a:sym typeface="Arial" panose="020B0604020202020204" pitchFamily="34" charset="0"/>
                 </a:rPr>
-                <a:t> </a:t>
-              </a:r>
-              <a:r>
-                <a:rPr lang="en-US" altLang="zh-CN" sz="2000" dirty="0" smtClean="0">
-                  <a:solidFill>
-                    <a:schemeClr val="bg1">
-                      <a:lumMod val="65000"/>
-                    </a:schemeClr>
-                  </a:solidFill>
-                  <a:latin typeface="Arial" panose="020B0604020202020204" pitchFamily="34" charset="0"/>
-                  <a:ea typeface="微软雅黑" panose="020B0503020204020204" pitchFamily="34" charset="-122"/>
-                  <a:sym typeface="Arial" panose="020B0604020202020204" pitchFamily="34" charset="0"/>
-                </a:rPr>
-                <a:t>                                     </a:t>
+                <a:t>                                      </a:t>
               </a:r>
               <a:endParaRPr lang="zh-CN" altLang="en-US" sz="2000" dirty="0">
                 <a:solidFill>
@@ -4977,20 +4897,7 @@
                 <a:ea typeface="微软雅黑" panose="020B0503020204020204" pitchFamily="34" charset="-122"/>
                 <a:sym typeface="Arial" panose="020B0604020202020204" pitchFamily="34" charset="0"/>
               </a:rPr>
-              <a:t>读</a:t>
-            </a:r>
-            <a:r>
-              <a:rPr lang="zh-CN" altLang="en-US" sz="3200" b="1" dirty="0" smtClean="0">
-                <a:solidFill>
-                  <a:schemeClr val="bg1">
-                    <a:lumMod val="65000"/>
-                  </a:schemeClr>
-                </a:solidFill>
-                <a:latin typeface="Arial" panose="020B0604020202020204" pitchFamily="34" charset="0"/>
-                <a:ea typeface="微软雅黑" panose="020B0503020204020204" pitchFamily="34" charset="-122"/>
-                <a:sym typeface="Arial" panose="020B0604020202020204" pitchFamily="34" charset="0"/>
-              </a:rPr>
-              <a:t>写锁实现</a:t>
+              <a:t>读写锁实现</a:t>
             </a:r>
             <a:endParaRPr lang="zh-CN" altLang="en-US" sz="4000" b="1" dirty="0">
               <a:solidFill>
@@ -5173,15 +5080,7 @@
             <a:pPr algn="ctr"/>
             <a:r>
               <a:rPr lang="en-US" dirty="0" smtClean="0"/>
-              <a:t>                                  std</a:t>
-            </a:r>
-            <a:r>
-              <a:rPr lang="en-US" dirty="0" smtClean="0"/>
-              <a:t>:: </a:t>
-            </a:r>
-            <a:r>
-              <a:rPr lang="en-US" dirty="0" smtClean="0"/>
-              <a:t>  shared_mutex</a:t>
+              <a:t>                                  std::   shared_mutex</a:t>
             </a:r>
             <a:endParaRPr lang="zh-CN" altLang="en-US" dirty="0"/>
           </a:p>
@@ -5226,7 +5125,7 @@
     <a:masterClrMapping/>
   </p:clrMapOvr>
   <mc:AlternateContent xmlns:mc="http://schemas.openxmlformats.org/markup-compatibility/2006">
-    <mc:Choice xmlns:p14="http://schemas.microsoft.com/office/powerpoint/2010/main" xmlns="" Requires="p14">
+    <mc:Choice xmlns="" xmlns:p14="http://schemas.microsoft.com/office/powerpoint/2010/main" Requires="p14">
       <p:transition spd="slow" p14:dur="1250" advTm="3000">
         <p14:flip dir="r"/>
       </p:transition>
@@ -5479,11 +5378,7 @@
             </a:r>
             <a:r>
               <a:rPr lang="zh-CN" altLang="en-US" sz="2400" dirty="0" smtClean="0"/>
-              <a:t>读</a:t>
-            </a:r>
-            <a:r>
-              <a:rPr lang="zh-CN" altLang="en-US" sz="2400" dirty="0" smtClean="0"/>
-              <a:t>写锁 加锁关键，不是持有锁，而是修改状态，</a:t>
+              <a:t>读写锁 加锁关键，不是持有锁，而是修改状态，</a:t>
             </a:r>
             <a:r>
               <a:rPr lang="en-US" altLang="zh-CN" sz="2400" dirty="0" smtClean="0"/>
@@ -5585,6 +5480,13 @@
   <p:clrMapOvr>
     <a:masterClrMapping/>
   </p:clrMapOvr>
+  <p:timing>
+    <p:tnLst>
+      <p:par>
+        <p:cTn id="1" dur="indefinite" restart="never" nodeType="tmRoot"/>
+      </p:par>
+    </p:tnLst>
+  </p:timing>
 </p:sld>
 </file>
 
@@ -5680,14 +5582,14 @@
           </a:ln>
           <a:extLst>
             <a:ext uri="{909E8E84-426E-40DD-AFC4-6F175D3DCCD1}">
-              <a14:hiddenFill xmlns:a14="http://schemas.microsoft.com/office/drawing/2010/main" xmlns="">
+              <a14:hiddenFill xmlns="" xmlns:a14="http://schemas.microsoft.com/office/drawing/2010/main">
                 <a:solidFill>
                   <a:srgbClr val="FFFFFF"/>
                 </a:solidFill>
               </a14:hiddenFill>
             </a:ext>
             <a:ext uri="{91240B29-F687-4F45-9708-019B960494DF}">
-              <a14:hiddenLine xmlns:a14="http://schemas.microsoft.com/office/drawing/2010/main" xmlns="" w="9525">
+              <a14:hiddenLine xmlns="" xmlns:a14="http://schemas.microsoft.com/office/drawing/2010/main" w="9525">
                 <a:solidFill>
                   <a:srgbClr val="000000"/>
                 </a:solidFill>
@@ -5895,14 +5797,14 @@
           </a:ln>
           <a:extLst>
             <a:ext uri="{909E8E84-426E-40DD-AFC4-6F175D3DCCD1}">
-              <a14:hiddenFill xmlns:a14="http://schemas.microsoft.com/office/drawing/2010/main" xmlns="">
+              <a14:hiddenFill xmlns="" xmlns:a14="http://schemas.microsoft.com/office/drawing/2010/main">
                 <a:solidFill>
                   <a:srgbClr val="FFFFFF"/>
                 </a:solidFill>
               </a14:hiddenFill>
             </a:ext>
             <a:ext uri="{91240B29-F687-4F45-9708-019B960494DF}">
-              <a14:hiddenLine xmlns:a14="http://schemas.microsoft.com/office/drawing/2010/main" xmlns="" w="9525">
+              <a14:hiddenLine xmlns="" xmlns:a14="http://schemas.microsoft.com/office/drawing/2010/main" w="9525">
                 <a:solidFill>
                   <a:srgbClr val="000000"/>
                 </a:solidFill>
@@ -6107,7 +6009,7 @@
           </a:ln>
           <a:extLst>
             <a:ext uri="{909E8E84-426E-40DD-AFC4-6F175D3DCCD1}">
-              <a14:hiddenFill xmlns:a14="http://schemas.microsoft.com/office/drawing/2010/main" xmlns="">
+              <a14:hiddenFill xmlns="" xmlns:a14="http://schemas.microsoft.com/office/drawing/2010/main">
                 <a:solidFill>
                   <a:srgbClr val="FFFFFF"/>
                 </a:solidFill>
@@ -6333,7 +6235,7 @@
           </a:ln>
           <a:extLst>
             <a:ext uri="{909E8E84-426E-40DD-AFC4-6F175D3DCCD1}">
-              <a14:hiddenFill xmlns:a14="http://schemas.microsoft.com/office/drawing/2010/main" xmlns="">
+              <a14:hiddenFill xmlns="" xmlns:a14="http://schemas.microsoft.com/office/drawing/2010/main">
                 <a:solidFill>
                   <a:srgbClr val="FFFFFF"/>
                 </a:solidFill>
@@ -6522,7 +6424,7 @@
     <a:masterClrMapping/>
   </p:clrMapOvr>
   <mc:AlternateContent xmlns:mc="http://schemas.openxmlformats.org/markup-compatibility/2006">
-    <mc:Choice xmlns:p15="http://schemas.microsoft.com/office/powerpoint/2012/main" xmlns="" Requires="p15">
+    <mc:Choice xmlns="" xmlns:p15="http://schemas.microsoft.com/office/powerpoint/2012/main" Requires="p15">
       <p:transition xmlns:p14="http://schemas.microsoft.com/office/powerpoint/2010/main" spd="slow" Requires="p14" p14:dur="2000" advTm="0">
         <p15:prstTrans prst="crush"/>
       </p:transition>
@@ -7446,7 +7348,7 @@
   <a:extraClrSchemeLst/>
   <a:extLst>
     <a:ext uri="{05A4C25C-085E-4340-85A3-A5531E510DB2}">
-      <thm15:themeFamily xmlns:thm15="http://schemas.microsoft.com/office/thememl/2012/main" xmlns="" name="Office Theme" id="{62F939B6-93AF-4DB8-9C6B-D6C7DFDC589F}" vid="{4A3C46E8-61CC-4603-A589-7422A47A8E4A}"/>
+      <thm15:themeFamily xmlns="" xmlns:thm15="http://schemas.microsoft.com/office/thememl/2012/main" name="Office Theme" id="{62F939B6-93AF-4DB8-9C6B-D6C7DFDC589F}" vid="{4A3C46E8-61CC-4603-A589-7422A47A8E4A}"/>
     </a:ext>
   </a:extLst>
 </a:theme>
@@ -7736,7 +7638,7 @@
   <a:extraClrSchemeLst/>
   <a:extLst>
     <a:ext uri="{05A4C25C-085E-4340-85A3-A5531E510DB2}">
-      <thm15:themeFamily xmlns:thm15="http://schemas.microsoft.com/office/thememl/2012/main" xmlns="" name="Office Theme" id="{62F939B6-93AF-4DB8-9C6B-D6C7DFDC589F}" vid="{4A3C46E8-61CC-4603-A589-7422A47A8E4A}"/>
+      <thm15:themeFamily xmlns="" xmlns:thm15="http://schemas.microsoft.com/office/thememl/2012/main" name="Office Theme" id="{62F939B6-93AF-4DB8-9C6B-D6C7DFDC589F}" vid="{4A3C46E8-61CC-4603-A589-7422A47A8E4A}"/>
     </a:ext>
   </a:extLst>
 </a:theme>
@@ -7997,7 +7899,7 @@
   <a:extraClrSchemeLst/>
   <a:extLst>
     <a:ext uri="{05A4C25C-085E-4340-85A3-A5531E510DB2}">
-      <thm15:themeFamily xmlns:thm15="http://schemas.microsoft.com/office/thememl/2012/main" xmlns="" name="Office Theme" id="{62F939B6-93AF-4DB8-9C6B-D6C7DFDC589F}" vid="{4A3C46E8-61CC-4603-A589-7422A47A8E4A}"/>
+      <thm15:themeFamily xmlns="" xmlns:thm15="http://schemas.microsoft.com/office/thememl/2012/main" name="Office Theme" id="{62F939B6-93AF-4DB8-9C6B-D6C7DFDC589F}" vid="{4A3C46E8-61CC-4603-A589-7422A47A8E4A}"/>
     </a:ext>
   </a:extLst>
 </a:theme>

--- a/KM/ppt/2020/读写锁.pptx
+++ b/KM/ppt/2020/读写锁.pptx
@@ -5,21 +5,22 @@
     <p:sldMasterId id="2147483648" r:id="rId1"/>
   </p:sldMasterIdLst>
   <p:notesMasterIdLst>
-    <p:notesMasterId r:id="rId6"/>
+    <p:notesMasterId r:id="rId7"/>
   </p:notesMasterIdLst>
   <p:handoutMasterIdLst>
-    <p:handoutMasterId r:id="rId7"/>
+    <p:handoutMasterId r:id="rId8"/>
   </p:handoutMasterIdLst>
   <p:sldIdLst>
     <p:sldId id="2840" r:id="rId2"/>
     <p:sldId id="2857" r:id="rId3"/>
     <p:sldId id="2865" r:id="rId4"/>
-    <p:sldId id="2864" r:id="rId5"/>
+    <p:sldId id="2866" r:id="rId5"/>
+    <p:sldId id="2864" r:id="rId6"/>
   </p:sldIdLst>
   <p:sldSz cx="12858750" cy="7232650"/>
   <p:notesSz cx="6858000" cy="9144000"/>
   <p:custDataLst>
-    <p:tags r:id="rId8"/>
+    <p:tags r:id="rId9"/>
   </p:custDataLst>
   <p:defaultTextStyle>
     <a:defPPr>
@@ -232,7 +233,7 @@
             <a:fld id="{E9630DBF-D010-4114-9DE3-41E342A27C18}" type="datetimeFigureOut">
               <a:rPr lang="zh-CN" altLang="en-US" smtClean="0"/>
               <a:pPr/>
-              <a:t>2020/1/16</a:t>
+              <a:t>2020/2/3</a:t>
             </a:fld>
             <a:endParaRPr lang="zh-CN" altLang="en-US"/>
           </a:p>
@@ -306,6 +307,11 @@
         </p:txBody>
       </p:sp>
     </p:spTree>
+    <p:extLst>
+      <p:ext uri="{BB962C8B-B14F-4D97-AF65-F5344CB8AC3E}">
+        <p14:creationId xmlns:p14="http://schemas.microsoft.com/office/powerpoint/2010/main" val="990528075"/>
+      </p:ext>
+    </p:extLst>
   </p:cSld>
   <p:clrMap bg1="lt1" tx1="dk1" bg2="lt2" tx2="dk2" accent1="accent1" accent2="accent2" accent3="accent3" accent4="accent4" accent5="accent5" accent6="accent6" hlink="hlink" folHlink="folHlink"/>
 </p:handoutMaster>
@@ -402,7 +408,7 @@
               <a:pPr>
                 <a:defRPr/>
               </a:pPr>
-              <a:t>2020/1/16</a:t>
+              <a:t>2020/2/3</a:t>
             </a:fld>
             <a:endParaRPr lang="zh-CN" altLang="en-US"/>
           </a:p>
@@ -572,6 +578,11 @@
         </p:txBody>
       </p:sp>
     </p:spTree>
+    <p:extLst>
+      <p:ext uri="{BB962C8B-B14F-4D97-AF65-F5344CB8AC3E}">
+        <p14:creationId xmlns:p14="http://schemas.microsoft.com/office/powerpoint/2010/main" val="1808926631"/>
+      </p:ext>
+    </p:extLst>
   </p:cSld>
   <p:clrMap bg1="lt1" tx1="dk1" bg2="lt2" tx2="dk2" accent1="accent1" accent2="accent2" accent3="accent3" accent4="accent4" accent5="accent5" accent6="accent6" hlink="hlink" folHlink="folHlink"/>
   <p:notesStyle>
@@ -909,6 +920,92 @@
           <a:bodyPr/>
           <a:lstStyle/>
           <a:p>
+            <a:r>
+              <a:rPr lang="en-US" dirty="0" smtClean="0">
+                <a:hlinkClick r:id="rId3"/>
+              </a:rPr>
+              <a:t>https://github.com/aleafboat/unixCode</a:t>
+            </a:r>
+            <a:endParaRPr lang="zh-CN" altLang="en-US" dirty="0"/>
+          </a:p>
+        </p:txBody>
+      </p:sp>
+      <p:sp>
+        <p:nvSpPr>
+          <p:cNvPr id="4" name="灯片编号占位符 3"/>
+          <p:cNvSpPr>
+            <a:spLocks noGrp="1"/>
+          </p:cNvSpPr>
+          <p:nvPr>
+            <p:ph type="sldNum" sz="quarter" idx="10"/>
+          </p:nvPr>
+        </p:nvSpPr>
+        <p:spPr/>
+        <p:txBody>
+          <a:bodyPr/>
+          <a:lstStyle/>
+          <a:p>
+            <a:fld id="{418F03C3-53C1-4F10-8DAF-D1F318E96C6E}" type="slidenum">
+              <a:rPr lang="zh-CN" altLang="en-US" smtClean="0"/>
+              <a:pPr/>
+              <a:t>4</a:t>
+            </a:fld>
+            <a:endParaRPr lang="zh-CN" altLang="en-US"/>
+          </a:p>
+        </p:txBody>
+      </p:sp>
+    </p:spTree>
+  </p:cSld>
+  <p:clrMapOvr>
+    <a:masterClrMapping/>
+  </p:clrMapOvr>
+</p:notes>
+</file>
+
+<file path=ppt/notesSlides/notesSlide4.xml><?xml version="1.0" encoding="utf-8"?>
+<p:notes xmlns:a="http://schemas.openxmlformats.org/drawingml/2006/main" xmlns:r="http://schemas.openxmlformats.org/officeDocument/2006/relationships" xmlns:p="http://schemas.openxmlformats.org/presentationml/2006/main">
+  <p:cSld>
+    <p:spTree>
+      <p:nvGrpSpPr>
+        <p:cNvPr id="1" name=""/>
+        <p:cNvGrpSpPr/>
+        <p:nvPr/>
+      </p:nvGrpSpPr>
+      <p:grpSpPr>
+        <a:xfrm>
+          <a:off x="0" y="0"/>
+          <a:ext cx="0" cy="0"/>
+          <a:chOff x="0" y="0"/>
+          <a:chExt cx="0" cy="0"/>
+        </a:xfrm>
+      </p:grpSpPr>
+      <p:sp>
+        <p:nvSpPr>
+          <p:cNvPr id="2" name="幻灯片图像占位符 1"/>
+          <p:cNvSpPr>
+            <a:spLocks noGrp="1" noRot="1" noChangeAspect="1"/>
+          </p:cNvSpPr>
+          <p:nvPr>
+            <p:ph type="sldImg"/>
+          </p:nvPr>
+        </p:nvSpPr>
+        <p:spPr/>
+      </p:sp>
+      <p:sp>
+        <p:nvSpPr>
+          <p:cNvPr id="3" name="备注占位符 2"/>
+          <p:cNvSpPr>
+            <a:spLocks noGrp="1"/>
+          </p:cNvSpPr>
+          <p:nvPr>
+            <p:ph type="body" idx="1"/>
+          </p:nvPr>
+        </p:nvSpPr>
+        <p:spPr/>
+        <p:txBody>
+          <a:bodyPr/>
+          <a:lstStyle/>
+          <a:p>
             <a:endParaRPr lang="zh-CN" altLang="en-US"/>
           </a:p>
         </p:txBody>
@@ -931,7 +1028,7 @@
             <a:fld id="{418F03C3-53C1-4F10-8DAF-D1F318E96C6E}" type="slidenum">
               <a:rPr lang="zh-CN" altLang="en-US" smtClean="0"/>
               <a:pPr/>
-              <a:t>4</a:t>
+              <a:t>5</a:t>
             </a:fld>
             <a:endParaRPr lang="zh-CN" altLang="en-US"/>
           </a:p>
@@ -980,7 +1077,7 @@
             <a:fld id="{32BF82D2-7A68-459D-A996-9BDDA2518FA4}" type="datetimeFigureOut">
               <a:rPr lang="zh-CN" altLang="en-US" smtClean="0"/>
               <a:pPr/>
-              <a:t>2020/1/16</a:t>
+              <a:t>2020/2/3</a:t>
             </a:fld>
             <a:endParaRPr lang="zh-CN" altLang="en-US"/>
           </a:p>
@@ -1102,7 +1199,7 @@
             <a:fld id="{32BF82D2-7A68-459D-A996-9BDDA2518FA4}" type="datetimeFigureOut">
               <a:rPr lang="zh-CN" altLang="en-US" smtClean="0"/>
               <a:pPr/>
-              <a:t>2020/1/16</a:t>
+              <a:t>2020/2/3</a:t>
             </a:fld>
             <a:endParaRPr lang="zh-CN" altLang="en-US"/>
           </a:p>
@@ -1885,7 +1982,7 @@
             <a:fld id="{32BF82D2-7A68-459D-A996-9BDDA2518FA4}" type="datetimeFigureOut">
               <a:rPr lang="zh-CN" altLang="en-US" smtClean="0"/>
               <a:pPr/>
-              <a:t>2020/1/16</a:t>
+              <a:t>2020/2/3</a:t>
             </a:fld>
             <a:endParaRPr lang="zh-CN" altLang="en-US"/>
           </a:p>
@@ -3471,7 +3568,7 @@
     <a:masterClrMapping/>
   </p:clrMapOvr>
   <mc:AlternateContent xmlns:mc="http://schemas.openxmlformats.org/markup-compatibility/2006">
-    <mc:Choice xmlns="" xmlns:p15="http://schemas.microsoft.com/office/powerpoint/2012/main" Requires="p15">
+    <mc:Choice xmlns:p15="http://schemas.microsoft.com/office/powerpoint/2012/main" xmlns="" Requires="p15">
       <p:transition xmlns:p14="http://schemas.microsoft.com/office/powerpoint/2010/main" spd="slow" Requires="p14" p14:dur="1250" advTm="4000">
         <p15:prstTrans prst="airplane"/>
       </p:transition>
@@ -5124,13 +5221,13 @@
   <p:clrMapOvr>
     <a:masterClrMapping/>
   </p:clrMapOvr>
-  <mc:AlternateContent xmlns:mc="http://schemas.openxmlformats.org/markup-compatibility/2006">
-    <mc:Choice xmlns="" xmlns:p14="http://schemas.microsoft.com/office/powerpoint/2010/main" Requires="p14">
+  <mc:AlternateContent xmlns:mc="http://schemas.openxmlformats.org/markup-compatibility/2006" xmlns:p14="http://schemas.microsoft.com/office/powerpoint/2010/main">
+    <mc:Choice Requires="p14">
       <p:transition spd="slow" p14:dur="1250" advTm="3000">
         <p14:flip dir="r"/>
       </p:transition>
     </mc:Choice>
-    <mc:Fallback>
+    <mc:Fallback xmlns="">
       <p:transition spd="slow" advTm="3000">
         <p:fade/>
       </p:transition>
@@ -5507,6 +5604,1366 @@
           <a:chExt cx="0" cy="0"/>
         </a:xfrm>
       </p:grpSpPr>
+      <p:grpSp>
+        <p:nvGrpSpPr>
+          <p:cNvPr id="4" name="Group 26"/>
+          <p:cNvGrpSpPr/>
+          <p:nvPr/>
+        </p:nvGrpSpPr>
+        <p:grpSpPr>
+          <a:xfrm>
+            <a:off x="6443292" y="1491699"/>
+            <a:ext cx="6027206" cy="2410900"/>
+            <a:chOff x="4511597" y="1167196"/>
+            <a:chExt cx="4286248" cy="1714512"/>
+          </a:xfrm>
+        </p:grpSpPr>
+        <p:sp>
+          <p:nvSpPr>
+            <p:cNvPr id="38" name="Rectangle 37"/>
+            <p:cNvSpPr/>
+            <p:nvPr/>
+          </p:nvSpPr>
+          <p:spPr>
+            <a:xfrm>
+              <a:off x="4511597" y="1167196"/>
+              <a:ext cx="4286248" cy="1714512"/>
+            </a:xfrm>
+            <a:prstGeom prst="rect">
+              <a:avLst/>
+            </a:prstGeom>
+            <a:ln/>
+          </p:spPr>
+          <p:style>
+            <a:lnRef idx="1">
+              <a:schemeClr val="accent1"/>
+            </a:lnRef>
+            <a:fillRef idx="2">
+              <a:schemeClr val="accent1"/>
+            </a:fillRef>
+            <a:effectRef idx="1">
+              <a:schemeClr val="accent1"/>
+            </a:effectRef>
+            <a:fontRef idx="minor">
+              <a:schemeClr val="dk1"/>
+            </a:fontRef>
+          </p:style>
+          <p:txBody>
+            <a:bodyPr rtlCol="0" anchor="ctr"/>
+            <a:lstStyle/>
+            <a:p>
+              <a:pPr algn="ctr">
+                <a:lnSpc>
+                  <a:spcPct val="150000"/>
+                </a:lnSpc>
+              </a:pPr>
+              <a:endParaRPr lang="en-US" dirty="0">
+                <a:latin typeface="Arial" panose="020B0604020202020204" pitchFamily="34" charset="0"/>
+                <a:ea typeface="微软雅黑" panose="020B0503020204020204" pitchFamily="34" charset="-122"/>
+                <a:sym typeface="Arial" panose="020B0604020202020204" pitchFamily="34" charset="0"/>
+              </a:endParaRPr>
+            </a:p>
+          </p:txBody>
+        </p:sp>
+        <p:sp>
+          <p:nvSpPr>
+            <p:cNvPr id="52" name="Rectangle 51"/>
+            <p:cNvSpPr/>
+            <p:nvPr/>
+          </p:nvSpPr>
+          <p:spPr>
+            <a:xfrm>
+              <a:off x="4806519" y="1509652"/>
+              <a:ext cx="1981322" cy="886445"/>
+            </a:xfrm>
+            <a:prstGeom prst="rect">
+              <a:avLst/>
+            </a:prstGeom>
+          </p:spPr>
+          <p:txBody>
+            <a:bodyPr wrap="square" lIns="0" tIns="0" rIns="0" bIns="0">
+              <a:spAutoFit/>
+            </a:bodyPr>
+            <a:lstStyle/>
+            <a:p>
+              <a:pPr>
+                <a:lnSpc>
+                  <a:spcPct val="150000"/>
+                </a:lnSpc>
+              </a:pPr>
+              <a:r>
+                <a:rPr lang="en-US" altLang="zh-CN" dirty="0">
+                  <a:solidFill>
+                    <a:srgbClr val="FF0000"/>
+                  </a:solidFill>
+                  <a:latin typeface="Arial" panose="020B0604020202020204" pitchFamily="34" charset="0"/>
+                  <a:ea typeface="微软雅黑" panose="020B0503020204020204" pitchFamily="34" charset="-122"/>
+                  <a:sym typeface="Arial" panose="020B0604020202020204" pitchFamily="34" charset="0"/>
+                </a:rPr>
+                <a:t> </a:t>
+              </a:r>
+              <a:r>
+                <a:rPr lang="en-US" altLang="zh-CN" dirty="0" smtClean="0">
+                  <a:solidFill>
+                    <a:srgbClr val="FF0000"/>
+                  </a:solidFill>
+                  <a:latin typeface="Arial" panose="020B0604020202020204" pitchFamily="34" charset="0"/>
+                  <a:ea typeface="微软雅黑" panose="020B0503020204020204" pitchFamily="34" charset="-122"/>
+                  <a:sym typeface="Arial" panose="020B0604020202020204" pitchFamily="34" charset="0"/>
+                </a:rPr>
+                <a:t> </a:t>
+              </a:r>
+              <a:r>
+                <a:rPr lang="en-US" altLang="zh-CN" dirty="0" err="1" smtClean="0">
+                  <a:solidFill>
+                    <a:srgbClr val="FF0000"/>
+                  </a:solidFill>
+                  <a:latin typeface="Arial" panose="020B0604020202020204" pitchFamily="34" charset="0"/>
+                  <a:ea typeface="微软雅黑" panose="020B0503020204020204" pitchFamily="34" charset="-122"/>
+                  <a:sym typeface="Arial" panose="020B0604020202020204" pitchFamily="34" charset="0"/>
+                </a:rPr>
+                <a:t>JSON</a:t>
+              </a:r>
+              <a:r>
+                <a:rPr lang="en-US" altLang="zh-CN" dirty="0" smtClean="0">
+                  <a:solidFill>
+                    <a:srgbClr val="FF0000"/>
+                  </a:solidFill>
+                  <a:latin typeface="Arial" panose="020B0604020202020204" pitchFamily="34" charset="0"/>
+                  <a:ea typeface="微软雅黑" panose="020B0503020204020204" pitchFamily="34" charset="-122"/>
+                  <a:sym typeface="Arial" panose="020B0604020202020204" pitchFamily="34" charset="0"/>
+                </a:rPr>
+                <a:t> </a:t>
+              </a:r>
+              <a:r>
+                <a:rPr lang="zh-CN" altLang="en-US">
+                  <a:solidFill>
+                    <a:srgbClr val="FF0000"/>
+                  </a:solidFill>
+                  <a:latin typeface="Arial" panose="020B0604020202020204" pitchFamily="34" charset="0"/>
+                  <a:ea typeface="微软雅黑" panose="020B0503020204020204" pitchFamily="34" charset="-122"/>
+                  <a:sym typeface="Arial" panose="020B0604020202020204" pitchFamily="34" charset="0"/>
+                </a:rPr>
+                <a:t>格式</a:t>
+              </a:r>
+              <a:endParaRPr lang="en-US" altLang="zh-CN" dirty="0" smtClean="0">
+                <a:solidFill>
+                  <a:srgbClr val="FF0000"/>
+                </a:solidFill>
+                <a:latin typeface="Arial" panose="020B0604020202020204" pitchFamily="34" charset="0"/>
+                <a:ea typeface="微软雅黑" panose="020B0503020204020204" pitchFamily="34" charset="-122"/>
+                <a:sym typeface="Arial" panose="020B0604020202020204" pitchFamily="34" charset="0"/>
+              </a:endParaRPr>
+            </a:p>
+            <a:p>
+              <a:pPr>
+                <a:lnSpc>
+                  <a:spcPct val="150000"/>
+                </a:lnSpc>
+              </a:pPr>
+              <a:r>
+                <a:rPr lang="zh-CN" altLang="en-US" dirty="0">
+                  <a:solidFill>
+                    <a:srgbClr val="FF0000"/>
+                  </a:solidFill>
+                  <a:latin typeface="Arial" panose="020B0604020202020204" pitchFamily="34" charset="0"/>
+                  <a:ea typeface="微软雅黑" panose="020B0503020204020204" pitchFamily="34" charset="-122"/>
+                  <a:sym typeface="Arial" panose="020B0604020202020204" pitchFamily="34" charset="0"/>
+                </a:rPr>
+                <a:t>状态</a:t>
+              </a:r>
+              <a:r>
+                <a:rPr lang="zh-CN" altLang="en-US" dirty="0" smtClean="0">
+                  <a:solidFill>
+                    <a:srgbClr val="FF0000"/>
+                  </a:solidFill>
+                  <a:latin typeface="Arial" panose="020B0604020202020204" pitchFamily="34" charset="0"/>
+                  <a:ea typeface="微软雅黑" panose="020B0503020204020204" pitchFamily="34" charset="-122"/>
+                  <a:sym typeface="Arial" panose="020B0604020202020204" pitchFamily="34" charset="0"/>
+                </a:rPr>
+                <a:t>机 </a:t>
+              </a:r>
+              <a:endParaRPr lang="en-US" altLang="zh-CN" dirty="0" smtClean="0">
+                <a:solidFill>
+                  <a:srgbClr val="FF0000"/>
+                </a:solidFill>
+                <a:latin typeface="Arial" panose="020B0604020202020204" pitchFamily="34" charset="0"/>
+                <a:ea typeface="微软雅黑" panose="020B0503020204020204" pitchFamily="34" charset="-122"/>
+                <a:sym typeface="Arial" panose="020B0604020202020204" pitchFamily="34" charset="0"/>
+              </a:endParaRPr>
+            </a:p>
+            <a:p>
+              <a:pPr>
+                <a:lnSpc>
+                  <a:spcPct val="150000"/>
+                </a:lnSpc>
+              </a:pPr>
+              <a:endParaRPr lang="zh-CN" altLang="en-US" dirty="0">
+                <a:solidFill>
+                  <a:srgbClr val="FF0000"/>
+                </a:solidFill>
+                <a:latin typeface="Arial" panose="020B0604020202020204" pitchFamily="34" charset="0"/>
+                <a:ea typeface="微软雅黑" panose="020B0503020204020204" pitchFamily="34" charset="-122"/>
+                <a:sym typeface="Arial" panose="020B0604020202020204" pitchFamily="34" charset="0"/>
+              </a:endParaRPr>
+            </a:p>
+          </p:txBody>
+        </p:sp>
+      </p:grpSp>
+      <p:grpSp>
+        <p:nvGrpSpPr>
+          <p:cNvPr id="6" name="Group 25"/>
+          <p:cNvGrpSpPr/>
+          <p:nvPr/>
+        </p:nvGrpSpPr>
+        <p:grpSpPr>
+          <a:xfrm>
+            <a:off x="428583" y="4044952"/>
+            <a:ext cx="5926796" cy="3454723"/>
+            <a:chOff x="285720" y="3000379"/>
+            <a:chExt cx="4214842" cy="2456828"/>
+          </a:xfrm>
+        </p:grpSpPr>
+        <p:sp>
+          <p:nvSpPr>
+            <p:cNvPr id="54" name="Rectangle 53"/>
+            <p:cNvSpPr/>
+            <p:nvPr/>
+          </p:nvSpPr>
+          <p:spPr>
+            <a:xfrm>
+              <a:off x="285720" y="3000379"/>
+              <a:ext cx="4214842" cy="1714512"/>
+            </a:xfrm>
+            <a:prstGeom prst="rect">
+              <a:avLst/>
+            </a:prstGeom>
+            <a:solidFill>
+              <a:schemeClr val="accent1"/>
+            </a:solidFill>
+            <a:ln>
+              <a:noFill/>
+            </a:ln>
+          </p:spPr>
+          <p:style>
+            <a:lnRef idx="2">
+              <a:schemeClr val="accent1">
+                <a:shade val="50000"/>
+              </a:schemeClr>
+            </a:lnRef>
+            <a:fillRef idx="1">
+              <a:schemeClr val="accent1"/>
+            </a:fillRef>
+            <a:effectRef idx="0">
+              <a:schemeClr val="accent1"/>
+            </a:effectRef>
+            <a:fontRef idx="minor">
+              <a:schemeClr val="lt1"/>
+            </a:fontRef>
+          </p:style>
+          <p:txBody>
+            <a:bodyPr rtlCol="0" anchor="ctr"/>
+            <a:lstStyle/>
+            <a:p>
+              <a:pPr algn="ctr">
+                <a:lnSpc>
+                  <a:spcPct val="150000"/>
+                </a:lnSpc>
+              </a:pPr>
+              <a:endParaRPr lang="en-US" dirty="0">
+                <a:latin typeface="Arial" panose="020B0604020202020204" pitchFamily="34" charset="0"/>
+                <a:ea typeface="微软雅黑" panose="020B0503020204020204" pitchFamily="34" charset="-122"/>
+                <a:sym typeface="Arial" panose="020B0604020202020204" pitchFamily="34" charset="0"/>
+              </a:endParaRPr>
+            </a:p>
+          </p:txBody>
+        </p:sp>
+        <p:sp>
+          <p:nvSpPr>
+            <p:cNvPr id="57" name="Rectangle 56"/>
+            <p:cNvSpPr/>
+            <p:nvPr/>
+          </p:nvSpPr>
+          <p:spPr>
+            <a:xfrm>
+              <a:off x="1809814" y="3356003"/>
+              <a:ext cx="2540468" cy="2101204"/>
+            </a:xfrm>
+            <a:prstGeom prst="rect">
+              <a:avLst/>
+            </a:prstGeom>
+          </p:spPr>
+          <p:txBody>
+            <a:bodyPr wrap="square" lIns="0" tIns="0" rIns="0" bIns="0">
+              <a:spAutoFit/>
+            </a:bodyPr>
+            <a:lstStyle/>
+            <a:p>
+              <a:pPr>
+                <a:lnSpc>
+                  <a:spcPct val="150000"/>
+                </a:lnSpc>
+              </a:pPr>
+              <a:r>
+                <a:rPr lang="en-US" altLang="zh-CN" dirty="0" smtClean="0">
+                  <a:solidFill>
+                    <a:schemeClr val="bg1"/>
+                  </a:solidFill>
+                  <a:latin typeface="Arial" panose="020B0604020202020204" pitchFamily="34" charset="0"/>
+                  <a:ea typeface="微软雅黑" panose="020B0503020204020204" pitchFamily="34" charset="-122"/>
+                  <a:sym typeface="Arial" panose="020B0604020202020204" pitchFamily="34" charset="0"/>
+                </a:rPr>
+                <a:t>      </a:t>
+              </a:r>
+              <a:r>
+                <a:rPr lang="en-US" altLang="zh-CN" b="1" dirty="0" smtClean="0">
+                  <a:solidFill>
+                    <a:schemeClr val="bg1"/>
+                  </a:solidFill>
+                  <a:latin typeface="Arial" panose="020B0604020202020204" pitchFamily="34" charset="0"/>
+                  <a:ea typeface="微软雅黑" panose="020B0503020204020204" pitchFamily="34" charset="-122"/>
+                  <a:sym typeface="Arial" panose="020B0604020202020204" pitchFamily="34" charset="0"/>
+                </a:rPr>
+                <a:t>RWMutex </a:t>
+              </a:r>
+              <a:r>
+                <a:rPr lang="zh-CN" altLang="en-US" b="1" dirty="0" smtClean="0">
+                  <a:solidFill>
+                    <a:schemeClr val="bg1"/>
+                  </a:solidFill>
+                  <a:latin typeface="Arial" panose="020B0604020202020204" pitchFamily="34" charset="0"/>
+                  <a:ea typeface="微软雅黑" panose="020B0503020204020204" pitchFamily="34" charset="-122"/>
+                  <a:sym typeface="Arial" panose="020B0604020202020204" pitchFamily="34" charset="0"/>
+                </a:rPr>
+                <a:t>互斥锁和信号量实现</a:t>
+              </a:r>
+              <a:endParaRPr lang="en-US" altLang="zh-CN" b="1" dirty="0" smtClean="0">
+                <a:solidFill>
+                  <a:schemeClr val="bg1"/>
+                </a:solidFill>
+                <a:latin typeface="Arial" panose="020B0604020202020204" pitchFamily="34" charset="0"/>
+                <a:ea typeface="微软雅黑" panose="020B0503020204020204" pitchFamily="34" charset="-122"/>
+                <a:sym typeface="Arial" panose="020B0604020202020204" pitchFamily="34" charset="0"/>
+              </a:endParaRPr>
+            </a:p>
+            <a:p>
+              <a:pPr>
+                <a:lnSpc>
+                  <a:spcPct val="150000"/>
+                </a:lnSpc>
+              </a:pPr>
+              <a:r>
+                <a:rPr lang="en-US" altLang="zh-CN" sz="1400" dirty="0" smtClean="0">
+                  <a:solidFill>
+                    <a:schemeClr val="bg1"/>
+                  </a:solidFill>
+                  <a:latin typeface="Arial" panose="020B0604020202020204" pitchFamily="34" charset="0"/>
+                  <a:ea typeface="微软雅黑" panose="020B0503020204020204" pitchFamily="34" charset="-122"/>
+                  <a:sym typeface="Arial" panose="020B0604020202020204" pitchFamily="34" charset="0"/>
+                </a:rPr>
+                <a:t>                  </a:t>
+              </a:r>
+            </a:p>
+            <a:p>
+              <a:pPr>
+                <a:lnSpc>
+                  <a:spcPct val="150000"/>
+                </a:lnSpc>
+              </a:pPr>
+              <a:endParaRPr lang="en-US" altLang="zh-CN" sz="1400" dirty="0" smtClean="0">
+                <a:solidFill>
+                  <a:schemeClr val="bg1"/>
+                </a:solidFill>
+                <a:latin typeface="Arial" panose="020B0604020202020204" pitchFamily="34" charset="0"/>
+                <a:ea typeface="微软雅黑" panose="020B0503020204020204" pitchFamily="34" charset="-122"/>
+                <a:sym typeface="Arial" panose="020B0604020202020204" pitchFamily="34" charset="0"/>
+              </a:endParaRPr>
+            </a:p>
+            <a:p>
+              <a:pPr>
+                <a:lnSpc>
+                  <a:spcPct val="150000"/>
+                </a:lnSpc>
+              </a:pPr>
+              <a:r>
+                <a:rPr lang="en-US" altLang="zh-CN" sz="1400" dirty="0" smtClean="0">
+                  <a:solidFill>
+                    <a:schemeClr val="bg1"/>
+                  </a:solidFill>
+                  <a:latin typeface="Arial" panose="020B0604020202020204" pitchFamily="34" charset="0"/>
+                  <a:ea typeface="微软雅黑" panose="020B0503020204020204" pitchFamily="34" charset="-122"/>
+                  <a:sym typeface="Arial" panose="020B0604020202020204" pitchFamily="34" charset="0"/>
+                </a:rPr>
+                <a:t>            --</a:t>
+              </a:r>
+              <a:r>
+                <a:rPr lang="zh-CN" altLang="en-US" sz="1400" dirty="0" smtClean="0">
+                  <a:solidFill>
+                    <a:schemeClr val="bg1"/>
+                  </a:solidFill>
+                  <a:latin typeface="Arial" panose="020B0604020202020204" pitchFamily="34" charset="0"/>
+                  <a:ea typeface="微软雅黑" panose="020B0503020204020204" pitchFamily="34" charset="-122"/>
+                  <a:sym typeface="Arial" panose="020B0604020202020204" pitchFamily="34" charset="0"/>
+                </a:rPr>
+                <a:t>来源 </a:t>
+              </a:r>
+              <a:r>
+                <a:rPr lang="en-US" altLang="zh-CN" sz="1400" dirty="0" smtClean="0">
+                  <a:solidFill>
+                    <a:schemeClr val="bg1"/>
+                  </a:solidFill>
+                  <a:latin typeface="Arial" panose="020B0604020202020204" pitchFamily="34" charset="0"/>
+                  <a:ea typeface="微软雅黑" panose="020B0503020204020204" pitchFamily="34" charset="-122"/>
+                  <a:sym typeface="Arial" panose="020B0604020202020204" pitchFamily="34" charset="0"/>
+                </a:rPr>
+                <a:t>go1.1</a:t>
+              </a:r>
+              <a:r>
+                <a:rPr lang="zh-CN" altLang="en-US" sz="1400" dirty="0" smtClean="0">
+                  <a:solidFill>
+                    <a:schemeClr val="bg1"/>
+                  </a:solidFill>
+                  <a:latin typeface="Arial" panose="020B0604020202020204" pitchFamily="34" charset="0"/>
+                  <a:ea typeface="微软雅黑" panose="020B0503020204020204" pitchFamily="34" charset="-122"/>
+                  <a:sym typeface="Arial" panose="020B0604020202020204" pitchFamily="34" charset="0"/>
+                </a:rPr>
+                <a:t>：</a:t>
+              </a:r>
+              <a:r>
+                <a:rPr lang="en-US" altLang="zh-CN" sz="1400" dirty="0" smtClean="0">
+                  <a:solidFill>
+                    <a:schemeClr val="bg1"/>
+                  </a:solidFill>
+                  <a:latin typeface="Arial" panose="020B0604020202020204" pitchFamily="34" charset="0"/>
+                  <a:ea typeface="微软雅黑" panose="020B0503020204020204" pitchFamily="34" charset="-122"/>
+                  <a:sym typeface="Arial" panose="020B0604020202020204" pitchFamily="34" charset="0"/>
+                </a:rPr>
+                <a:t> rwmutex.go</a:t>
+              </a:r>
+            </a:p>
+            <a:p>
+              <a:pPr>
+                <a:lnSpc>
+                  <a:spcPct val="150000"/>
+                </a:lnSpc>
+              </a:pPr>
+              <a:r>
+                <a:rPr lang="en-US" altLang="zh-CN" sz="2000" dirty="0" smtClean="0">
+                  <a:solidFill>
+                    <a:schemeClr val="bg1"/>
+                  </a:solidFill>
+                  <a:latin typeface="Arial" panose="020B0604020202020204" pitchFamily="34" charset="0"/>
+                  <a:ea typeface="微软雅黑" panose="020B0503020204020204" pitchFamily="34" charset="-122"/>
+                  <a:sym typeface="Arial" panose="020B0604020202020204" pitchFamily="34" charset="0"/>
+                </a:rPr>
+                <a:t>           </a:t>
+              </a:r>
+            </a:p>
+            <a:p>
+              <a:pPr>
+                <a:lnSpc>
+                  <a:spcPct val="150000"/>
+                </a:lnSpc>
+              </a:pPr>
+              <a:endParaRPr lang="en-US" altLang="zh-CN" sz="2400" dirty="0" smtClean="0">
+                <a:solidFill>
+                  <a:schemeClr val="bg1"/>
+                </a:solidFill>
+                <a:latin typeface="Arial" panose="020B0604020202020204" pitchFamily="34" charset="0"/>
+                <a:ea typeface="微软雅黑" panose="020B0503020204020204" pitchFamily="34" charset="-122"/>
+                <a:sym typeface="Arial" panose="020B0604020202020204" pitchFamily="34" charset="0"/>
+              </a:endParaRPr>
+            </a:p>
+            <a:p>
+              <a:pPr>
+                <a:lnSpc>
+                  <a:spcPct val="150000"/>
+                </a:lnSpc>
+              </a:pPr>
+              <a:endParaRPr lang="zh-CN" altLang="en-US" sz="2400" dirty="0">
+                <a:solidFill>
+                  <a:schemeClr val="bg1"/>
+                </a:solidFill>
+                <a:latin typeface="Arial" panose="020B0604020202020204" pitchFamily="34" charset="0"/>
+                <a:ea typeface="微软雅黑" panose="020B0503020204020204" pitchFamily="34" charset="-122"/>
+                <a:sym typeface="Arial" panose="020B0604020202020204" pitchFamily="34" charset="0"/>
+              </a:endParaRPr>
+            </a:p>
+          </p:txBody>
+        </p:sp>
+      </p:grpSp>
+      <p:grpSp>
+        <p:nvGrpSpPr>
+          <p:cNvPr id="8" name="Group 58"/>
+          <p:cNvGrpSpPr/>
+          <p:nvPr/>
+        </p:nvGrpSpPr>
+        <p:grpSpPr>
+          <a:xfrm>
+            <a:off x="6786566" y="4259267"/>
+            <a:ext cx="5528202" cy="1989536"/>
+            <a:chOff x="2040370" y="1428742"/>
+            <a:chExt cx="2573727" cy="1478441"/>
+          </a:xfrm>
+        </p:grpSpPr>
+        <p:sp>
+          <p:nvSpPr>
+            <p:cNvPr id="61" name="Rectangle 60"/>
+            <p:cNvSpPr/>
+            <p:nvPr/>
+          </p:nvSpPr>
+          <p:spPr>
+            <a:xfrm>
+              <a:off x="2572512" y="1534915"/>
+              <a:ext cx="2041585" cy="1372268"/>
+            </a:xfrm>
+            <a:prstGeom prst="rect">
+              <a:avLst/>
+            </a:prstGeom>
+          </p:spPr>
+          <p:txBody>
+            <a:bodyPr wrap="square" lIns="0" tIns="0" rIns="0" bIns="0">
+              <a:spAutoFit/>
+            </a:bodyPr>
+            <a:lstStyle/>
+            <a:p>
+              <a:pPr>
+                <a:lnSpc>
+                  <a:spcPct val="150000"/>
+                </a:lnSpc>
+              </a:pPr>
+              <a:r>
+                <a:rPr lang="en-US" altLang="zh-CN" sz="2000" dirty="0" smtClean="0">
+                  <a:solidFill>
+                    <a:srgbClr val="FFC000"/>
+                  </a:solidFill>
+                  <a:latin typeface="Arial" panose="020B0604020202020204" pitchFamily="34" charset="0"/>
+                  <a:ea typeface="微软雅黑" panose="020B0503020204020204" pitchFamily="34" charset="-122"/>
+                  <a:sym typeface="Arial" panose="020B0604020202020204" pitchFamily="34" charset="0"/>
+                </a:rPr>
+                <a:t>    </a:t>
+              </a:r>
+              <a:r>
+                <a:rPr lang="zh-CN" altLang="en-US" sz="2000" dirty="0" smtClean="0">
+                  <a:solidFill>
+                    <a:srgbClr val="FFC000"/>
+                  </a:solidFill>
+                  <a:latin typeface="Arial" panose="020B0604020202020204" pitchFamily="34" charset="0"/>
+                  <a:ea typeface="微软雅黑" panose="020B0503020204020204" pitchFamily="34" charset="-122"/>
+                  <a:sym typeface="Arial" panose="020B0604020202020204" pitchFamily="34" charset="0"/>
+                </a:rPr>
+                <a:t>使用互斥锁和条件变量实现 读写锁</a:t>
+              </a:r>
+              <a:endParaRPr lang="en-US" altLang="zh-CN" sz="2000" dirty="0" smtClean="0">
+                <a:solidFill>
+                  <a:srgbClr val="FFC000"/>
+                </a:solidFill>
+                <a:latin typeface="Arial" panose="020B0604020202020204" pitchFamily="34" charset="0"/>
+                <a:ea typeface="微软雅黑" panose="020B0503020204020204" pitchFamily="34" charset="-122"/>
+                <a:sym typeface="Arial" panose="020B0604020202020204" pitchFamily="34" charset="0"/>
+              </a:endParaRPr>
+            </a:p>
+            <a:p>
+              <a:pPr>
+                <a:lnSpc>
+                  <a:spcPct val="150000"/>
+                </a:lnSpc>
+              </a:pPr>
+              <a:endParaRPr lang="en-US" altLang="zh-CN" sz="2000" dirty="0" smtClean="0">
+                <a:solidFill>
+                  <a:schemeClr val="bg1">
+                    <a:lumMod val="65000"/>
+                  </a:schemeClr>
+                </a:solidFill>
+                <a:latin typeface="Arial" panose="020B0604020202020204" pitchFamily="34" charset="0"/>
+                <a:ea typeface="微软雅黑" panose="020B0503020204020204" pitchFamily="34" charset="-122"/>
+                <a:sym typeface="Arial" panose="020B0604020202020204" pitchFamily="34" charset="0"/>
+              </a:endParaRPr>
+            </a:p>
+            <a:p>
+              <a:pPr>
+                <a:lnSpc>
+                  <a:spcPct val="150000"/>
+                </a:lnSpc>
+              </a:pPr>
+              <a:r>
+                <a:rPr lang="en-US" altLang="zh-CN" sz="2000" dirty="0" smtClean="0">
+                  <a:solidFill>
+                    <a:schemeClr val="bg1">
+                      <a:lumMod val="65000"/>
+                    </a:schemeClr>
+                  </a:solidFill>
+                  <a:latin typeface="Arial" panose="020B0604020202020204" pitchFamily="34" charset="0"/>
+                  <a:ea typeface="微软雅黑" panose="020B0503020204020204" pitchFamily="34" charset="-122"/>
+                  <a:sym typeface="Arial" panose="020B0604020202020204" pitchFamily="34" charset="0"/>
+                </a:rPr>
+                <a:t>        </a:t>
+              </a:r>
+              <a:r>
+                <a:rPr lang="en-US" altLang="zh-CN" sz="1400" dirty="0" smtClean="0">
+                  <a:solidFill>
+                    <a:schemeClr val="bg1">
+                      <a:lumMod val="65000"/>
+                    </a:schemeClr>
+                  </a:solidFill>
+                  <a:latin typeface="Arial" panose="020B0604020202020204" pitchFamily="34" charset="0"/>
+                  <a:ea typeface="微软雅黑" panose="020B0503020204020204" pitchFamily="34" charset="-122"/>
+                  <a:sym typeface="Arial" panose="020B0604020202020204" pitchFamily="34" charset="0"/>
+                </a:rPr>
+                <a:t>---</a:t>
+              </a:r>
+              <a:r>
+                <a:rPr lang="zh-CN" altLang="en-US" sz="1400" dirty="0" smtClean="0">
+                  <a:solidFill>
+                    <a:schemeClr val="bg1">
+                      <a:lumMod val="65000"/>
+                    </a:schemeClr>
+                  </a:solidFill>
+                  <a:latin typeface="Arial" panose="020B0604020202020204" pitchFamily="34" charset="0"/>
+                  <a:ea typeface="微软雅黑" panose="020B0503020204020204" pitchFamily="34" charset="-122"/>
+                  <a:sym typeface="Arial" panose="020B0604020202020204" pitchFamily="34" charset="0"/>
+                </a:rPr>
+                <a:t>来源：</a:t>
+              </a:r>
+              <a:r>
+                <a:rPr lang="en-US" altLang="zh-CN" sz="1400" dirty="0" smtClean="0">
+                  <a:solidFill>
+                    <a:schemeClr val="bg1">
+                      <a:lumMod val="65000"/>
+                    </a:schemeClr>
+                  </a:solidFill>
+                  <a:latin typeface="Arial" panose="020B0604020202020204" pitchFamily="34" charset="0"/>
+                  <a:ea typeface="微软雅黑" panose="020B0503020204020204" pitchFamily="34" charset="-122"/>
+                  <a:sym typeface="Arial" panose="020B0604020202020204" pitchFamily="34" charset="0"/>
+                </a:rPr>
+                <a:t>UNIX</a:t>
+              </a:r>
+              <a:r>
+                <a:rPr lang="zh-CN" altLang="en-US" sz="1400" dirty="0" smtClean="0">
+                  <a:solidFill>
+                    <a:schemeClr val="bg1">
+                      <a:lumMod val="65000"/>
+                    </a:schemeClr>
+                  </a:solidFill>
+                  <a:latin typeface="Arial" panose="020B0604020202020204" pitchFamily="34" charset="0"/>
+                  <a:ea typeface="微软雅黑" panose="020B0503020204020204" pitchFamily="34" charset="-122"/>
+                  <a:sym typeface="Arial" panose="020B0604020202020204" pitchFamily="34" charset="0"/>
+                </a:rPr>
+                <a:t>网络编程卷</a:t>
+              </a:r>
+              <a:r>
+                <a:rPr lang="en-US" altLang="zh-CN" sz="1400" dirty="0" smtClean="0">
+                  <a:solidFill>
+                    <a:schemeClr val="bg1">
+                      <a:lumMod val="65000"/>
+                    </a:schemeClr>
+                  </a:solidFill>
+                  <a:latin typeface="Arial" panose="020B0604020202020204" pitchFamily="34" charset="0"/>
+                  <a:ea typeface="微软雅黑" panose="020B0503020204020204" pitchFamily="34" charset="-122"/>
+                  <a:sym typeface="Arial" panose="020B0604020202020204" pitchFamily="34" charset="0"/>
+                </a:rPr>
+                <a:t>2</a:t>
+              </a:r>
+              <a:r>
+                <a:rPr lang="zh-CN" altLang="en-US" sz="1400" dirty="0" smtClean="0">
+                  <a:solidFill>
+                    <a:schemeClr val="bg1">
+                      <a:lumMod val="65000"/>
+                    </a:schemeClr>
+                  </a:solidFill>
+                  <a:latin typeface="Arial" panose="020B0604020202020204" pitchFamily="34" charset="0"/>
+                  <a:ea typeface="微软雅黑" panose="020B0503020204020204" pitchFamily="34" charset="-122"/>
+                  <a:sym typeface="Arial" panose="020B0604020202020204" pitchFamily="34" charset="0"/>
+                </a:rPr>
+                <a:t>：进程间通信</a:t>
+              </a:r>
+              <a:r>
+                <a:rPr lang="en-US" altLang="zh-CN" sz="1400" dirty="0" smtClean="0">
+                  <a:solidFill>
+                    <a:schemeClr val="bg1">
+                      <a:lumMod val="65000"/>
+                    </a:schemeClr>
+                  </a:solidFill>
+                  <a:latin typeface="Arial" panose="020B0604020202020204" pitchFamily="34" charset="0"/>
+                  <a:ea typeface="微软雅黑" panose="020B0503020204020204" pitchFamily="34" charset="-122"/>
+                  <a:sym typeface="Arial" panose="020B0604020202020204" pitchFamily="34" charset="0"/>
+                </a:rPr>
+                <a:t>8.4</a:t>
+              </a:r>
+              <a:r>
+                <a:rPr lang="zh-CN" altLang="en-US" sz="1400" dirty="0" smtClean="0">
+                  <a:solidFill>
+                    <a:schemeClr val="bg1">
+                      <a:lumMod val="65000"/>
+                    </a:schemeClr>
+                  </a:solidFill>
+                  <a:latin typeface="Arial" panose="020B0604020202020204" pitchFamily="34" charset="0"/>
+                  <a:ea typeface="微软雅黑" panose="020B0503020204020204" pitchFamily="34" charset="-122"/>
+                  <a:sym typeface="Arial" panose="020B0604020202020204" pitchFamily="34" charset="0"/>
+                </a:rPr>
+                <a:t>章节</a:t>
+              </a:r>
+              <a:endParaRPr lang="en-US" altLang="zh-CN" sz="1400" dirty="0" smtClean="0">
+                <a:solidFill>
+                  <a:schemeClr val="bg1">
+                    <a:lumMod val="65000"/>
+                  </a:schemeClr>
+                </a:solidFill>
+                <a:latin typeface="Arial" panose="020B0604020202020204" pitchFamily="34" charset="0"/>
+                <a:ea typeface="微软雅黑" panose="020B0503020204020204" pitchFamily="34" charset="-122"/>
+                <a:sym typeface="Arial" panose="020B0604020202020204" pitchFamily="34" charset="0"/>
+              </a:endParaRPr>
+            </a:p>
+            <a:p>
+              <a:pPr>
+                <a:lnSpc>
+                  <a:spcPct val="150000"/>
+                </a:lnSpc>
+              </a:pPr>
+              <a:r>
+                <a:rPr lang="en-US" altLang="zh-CN" sz="2000" dirty="0" smtClean="0">
+                  <a:solidFill>
+                    <a:schemeClr val="bg1">
+                      <a:lumMod val="65000"/>
+                    </a:schemeClr>
+                  </a:solidFill>
+                  <a:latin typeface="Arial" panose="020B0604020202020204" pitchFamily="34" charset="0"/>
+                  <a:ea typeface="微软雅黑" panose="020B0503020204020204" pitchFamily="34" charset="-122"/>
+                  <a:sym typeface="Arial" panose="020B0604020202020204" pitchFamily="34" charset="0"/>
+                </a:rPr>
+                <a:t>                                      </a:t>
+              </a:r>
+              <a:endParaRPr lang="zh-CN" altLang="en-US" sz="2000" dirty="0">
+                <a:solidFill>
+                  <a:schemeClr val="bg1">
+                    <a:lumMod val="65000"/>
+                  </a:schemeClr>
+                </a:solidFill>
+                <a:latin typeface="Arial" panose="020B0604020202020204" pitchFamily="34" charset="0"/>
+                <a:ea typeface="微软雅黑" panose="020B0503020204020204" pitchFamily="34" charset="-122"/>
+                <a:sym typeface="Arial" panose="020B0604020202020204" pitchFamily="34" charset="0"/>
+              </a:endParaRPr>
+            </a:p>
+          </p:txBody>
+        </p:sp>
+        <p:sp>
+          <p:nvSpPr>
+            <p:cNvPr id="62" name="Rectangle 61"/>
+            <p:cNvSpPr/>
+            <p:nvPr/>
+          </p:nvSpPr>
+          <p:spPr>
+            <a:xfrm>
+              <a:off x="2040370" y="1428742"/>
+              <a:ext cx="674242" cy="1477409"/>
+            </a:xfrm>
+            <a:prstGeom prst="rect">
+              <a:avLst/>
+            </a:prstGeom>
+          </p:spPr>
+          <p:txBody>
+            <a:bodyPr wrap="square" lIns="0" tIns="0" rIns="0" bIns="0">
+              <a:spAutoFit/>
+            </a:bodyPr>
+            <a:lstStyle/>
+            <a:p>
+              <a:endParaRPr lang="en-US" sz="13500" dirty="0">
+                <a:solidFill>
+                  <a:schemeClr val="bg1">
+                    <a:lumMod val="65000"/>
+                  </a:schemeClr>
+                </a:solidFill>
+                <a:latin typeface="Arial" panose="020B0604020202020204" pitchFamily="34" charset="0"/>
+                <a:ea typeface="微软雅黑" panose="020B0503020204020204" pitchFamily="34" charset="-122"/>
+                <a:cs typeface="Open Sans Light" pitchFamily="34" charset="0"/>
+                <a:sym typeface="Arial" panose="020B0604020202020204" pitchFamily="34" charset="0"/>
+              </a:endParaRPr>
+            </a:p>
+          </p:txBody>
+        </p:sp>
+      </p:grpSp>
+      <p:sp>
+        <p:nvSpPr>
+          <p:cNvPr id="22" name="TextBox 8"/>
+          <p:cNvSpPr txBox="1"/>
+          <p:nvPr/>
+        </p:nvSpPr>
+        <p:spPr>
+          <a:xfrm>
+            <a:off x="824035" y="233568"/>
+            <a:ext cx="3805140" cy="492443"/>
+          </a:xfrm>
+          <a:prstGeom prst="rect">
+            <a:avLst/>
+          </a:prstGeom>
+          <a:noFill/>
+        </p:spPr>
+        <p:txBody>
+          <a:bodyPr wrap="square" lIns="0" tIns="0" rIns="0" bIns="0" rtlCol="0" anchor="ctr">
+            <a:spAutoFit/>
+          </a:bodyPr>
+          <a:lstStyle/>
+          <a:p>
+            <a:r>
+              <a:rPr lang="en-US" altLang="zh-CN" sz="3200" b="1" dirty="0">
+                <a:solidFill>
+                  <a:schemeClr val="bg1">
+                    <a:lumMod val="65000"/>
+                  </a:schemeClr>
+                </a:solidFill>
+                <a:latin typeface="Arial" panose="020B0604020202020204" pitchFamily="34" charset="0"/>
+                <a:ea typeface="微软雅黑" panose="020B0503020204020204" pitchFamily="34" charset="-122"/>
+                <a:sym typeface="Arial" panose="020B0604020202020204" pitchFamily="34" charset="0"/>
+              </a:rPr>
+              <a:t> </a:t>
+            </a:r>
+            <a:r>
+              <a:rPr lang="zh-CN" altLang="en-US" sz="3200" b="1" dirty="0" smtClean="0">
+                <a:solidFill>
+                  <a:schemeClr val="bg1">
+                    <a:lumMod val="65000"/>
+                  </a:schemeClr>
+                </a:solidFill>
+                <a:latin typeface="Arial" panose="020B0604020202020204" pitchFamily="34" charset="0"/>
+                <a:ea typeface="微软雅黑" panose="020B0503020204020204" pitchFamily="34" charset="-122"/>
+                <a:sym typeface="Arial" panose="020B0604020202020204" pitchFamily="34" charset="0"/>
+              </a:rPr>
+              <a:t>长链接</a:t>
+            </a:r>
+            <a:r>
+              <a:rPr lang="en-US" altLang="zh-CN" sz="3200" b="1" dirty="0" smtClean="0">
+                <a:solidFill>
+                  <a:schemeClr val="bg1">
+                    <a:lumMod val="65000"/>
+                  </a:schemeClr>
+                </a:solidFill>
+                <a:latin typeface="Arial" panose="020B0604020202020204" pitchFamily="34" charset="0"/>
+                <a:ea typeface="微软雅黑" panose="020B0503020204020204" pitchFamily="34" charset="-122"/>
+                <a:sym typeface="Arial" panose="020B0604020202020204" pitchFamily="34" charset="0"/>
+              </a:rPr>
+              <a:t>tcp </a:t>
+            </a:r>
+            <a:r>
+              <a:rPr lang="zh-CN" altLang="en-US" sz="3200" b="1" dirty="0" smtClean="0">
+                <a:solidFill>
+                  <a:schemeClr val="bg1">
+                    <a:lumMod val="65000"/>
+                  </a:schemeClr>
+                </a:solidFill>
+                <a:latin typeface="Arial" panose="020B0604020202020204" pitchFamily="34" charset="0"/>
+                <a:ea typeface="微软雅黑" panose="020B0503020204020204" pitchFamily="34" charset="-122"/>
+                <a:sym typeface="Arial" panose="020B0604020202020204" pitchFamily="34" charset="0"/>
+              </a:rPr>
+              <a:t>分包</a:t>
+            </a:r>
+            <a:endParaRPr lang="zh-CN" altLang="en-US" sz="4000" b="1" dirty="0">
+              <a:solidFill>
+                <a:schemeClr val="bg1">
+                  <a:lumMod val="65000"/>
+                </a:schemeClr>
+              </a:solidFill>
+              <a:latin typeface="Arial" panose="020B0604020202020204" pitchFamily="34" charset="0"/>
+              <a:ea typeface="微软雅黑" panose="020B0503020204020204" pitchFamily="34" charset="-122"/>
+              <a:sym typeface="Arial" panose="020B0604020202020204" pitchFamily="34" charset="0"/>
+            </a:endParaRPr>
+          </a:p>
+        </p:txBody>
+      </p:sp>
+      <p:pic>
+        <p:nvPicPr>
+          <p:cNvPr id="1026" name="Picture 2"/>
+          <p:cNvPicPr>
+            <a:picLocks noChangeAspect="1" noChangeArrowheads="1"/>
+          </p:cNvPicPr>
+          <p:nvPr/>
+        </p:nvPicPr>
+        <p:blipFill>
+          <a:blip r:embed="rId3"/>
+          <a:srcRect/>
+          <a:stretch>
+            <a:fillRect/>
+          </a:stretch>
+        </p:blipFill>
+        <p:spPr bwMode="auto">
+          <a:xfrm>
+            <a:off x="500021" y="4116391"/>
+            <a:ext cx="1879947" cy="928694"/>
+          </a:xfrm>
+          <a:prstGeom prst="rect">
+            <a:avLst/>
+          </a:prstGeom>
+          <a:noFill/>
+          <a:ln w="9525">
+            <a:noFill/>
+            <a:miter lim="800000"/>
+            <a:headEnd/>
+            <a:tailEnd/>
+          </a:ln>
+          <a:effectLst/>
+        </p:spPr>
+      </p:pic>
+      <p:pic>
+        <p:nvPicPr>
+          <p:cNvPr id="1027" name="Picture 3"/>
+          <p:cNvPicPr>
+            <a:picLocks noChangeAspect="1" noChangeArrowheads="1"/>
+          </p:cNvPicPr>
+          <p:nvPr/>
+        </p:nvPicPr>
+        <p:blipFill>
+          <a:blip r:embed="rId4"/>
+          <a:srcRect/>
+          <a:stretch>
+            <a:fillRect/>
+          </a:stretch>
+        </p:blipFill>
+        <p:spPr bwMode="auto">
+          <a:xfrm>
+            <a:off x="6572251" y="4330705"/>
+            <a:ext cx="1476375" cy="1771650"/>
+          </a:xfrm>
+          <a:prstGeom prst="rect">
+            <a:avLst/>
+          </a:prstGeom>
+          <a:noFill/>
+          <a:ln w="9525">
+            <a:noFill/>
+            <a:miter lim="800000"/>
+            <a:headEnd/>
+            <a:tailEnd/>
+          </a:ln>
+          <a:effectLst/>
+        </p:spPr>
+      </p:pic>
+      <p:pic>
+        <p:nvPicPr>
+          <p:cNvPr id="1028" name="Picture 4"/>
+          <p:cNvPicPr>
+            <a:picLocks noChangeAspect="1" noChangeArrowheads="1"/>
+          </p:cNvPicPr>
+          <p:nvPr/>
+        </p:nvPicPr>
+        <p:blipFill>
+          <a:blip r:embed="rId5"/>
+          <a:srcRect/>
+          <a:stretch>
+            <a:fillRect/>
+          </a:stretch>
+        </p:blipFill>
+        <p:spPr bwMode="auto">
+          <a:xfrm>
+            <a:off x="500021" y="5116523"/>
+            <a:ext cx="1928826" cy="1214446"/>
+          </a:xfrm>
+          <a:prstGeom prst="rect">
+            <a:avLst/>
+          </a:prstGeom>
+          <a:noFill/>
+          <a:ln w="9525">
+            <a:noFill/>
+            <a:miter lim="800000"/>
+            <a:headEnd/>
+            <a:tailEnd/>
+          </a:ln>
+          <a:effectLst/>
+        </p:spPr>
+      </p:pic>
+      <p:pic>
+        <p:nvPicPr>
+          <p:cNvPr id="1029" name="Picture 5"/>
+          <p:cNvPicPr>
+            <a:picLocks noChangeAspect="1" noChangeArrowheads="1"/>
+          </p:cNvPicPr>
+          <p:nvPr/>
+        </p:nvPicPr>
+        <p:blipFill>
+          <a:blip r:embed="rId6"/>
+          <a:srcRect/>
+          <a:stretch>
+            <a:fillRect/>
+          </a:stretch>
+        </p:blipFill>
+        <p:spPr bwMode="auto">
+          <a:xfrm>
+            <a:off x="10072713" y="1687499"/>
+            <a:ext cx="2266950" cy="1009650"/>
+          </a:xfrm>
+          <a:prstGeom prst="rect">
+            <a:avLst/>
+          </a:prstGeom>
+          <a:noFill/>
+          <a:ln w="9525">
+            <a:noFill/>
+            <a:miter lim="800000"/>
+            <a:headEnd/>
+            <a:tailEnd/>
+          </a:ln>
+          <a:effectLst/>
+        </p:spPr>
+      </p:pic>
+      <p:sp>
+        <p:nvSpPr>
+          <p:cNvPr id="44" name="矩形 43"/>
+          <p:cNvSpPr/>
+          <p:nvPr/>
+        </p:nvSpPr>
+        <p:spPr>
+          <a:xfrm>
+            <a:off x="357145" y="1544623"/>
+            <a:ext cx="5143536" cy="2286016"/>
+          </a:xfrm>
+          <a:prstGeom prst="rect">
+            <a:avLst/>
+          </a:prstGeom>
+        </p:spPr>
+        <p:style>
+          <a:lnRef idx="0">
+            <a:schemeClr val="dk1"/>
+          </a:lnRef>
+          <a:fillRef idx="3">
+            <a:schemeClr val="dk1"/>
+          </a:fillRef>
+          <a:effectRef idx="3">
+            <a:schemeClr val="dk1"/>
+          </a:effectRef>
+          <a:fontRef idx="minor">
+            <a:schemeClr val="lt1"/>
+          </a:fontRef>
+        </p:style>
+        <p:txBody>
+          <a:bodyPr rtlCol="0" anchor="ctr"/>
+          <a:lstStyle/>
+          <a:p>
+            <a:pPr algn="ctr"/>
+            <a:r>
+              <a:rPr lang="en-US" sz="2400" dirty="0" smtClean="0"/>
+              <a:t> H</a:t>
+            </a:r>
+            <a:r>
+              <a:rPr lang="en-US" altLang="zh-CN" sz="2400" dirty="0" smtClean="0"/>
+              <a:t>ttp  </a:t>
+            </a:r>
+            <a:r>
+              <a:rPr lang="zh-CN" altLang="en-US" sz="2400" dirty="0" smtClean="0"/>
+              <a:t>的</a:t>
+            </a:r>
+            <a:r>
+              <a:rPr lang="en-US" altLang="zh-CN" sz="2400" dirty="0" smtClean="0"/>
+              <a:t>headers  \r\n</a:t>
+            </a:r>
+            <a:r>
+              <a:rPr lang="zh-CN" altLang="en-US" sz="2400" dirty="0" smtClean="0"/>
+              <a:t>分割 </a:t>
+            </a:r>
+            <a:endParaRPr lang="en-US" altLang="zh-CN" sz="2400" dirty="0"/>
+          </a:p>
+          <a:p>
+            <a:pPr algn="ctr"/>
+            <a:r>
+              <a:rPr lang="en-US" altLang="zh-CN" sz="2400" dirty="0" smtClean="0"/>
+              <a:t>Body</a:t>
+            </a:r>
+            <a:r>
+              <a:rPr lang="zh-CN" altLang="en-US" sz="2400" dirty="0" smtClean="0"/>
+              <a:t>：</a:t>
+            </a:r>
+            <a:endParaRPr lang="en-US" altLang="zh-CN" sz="2400" dirty="0" smtClean="0"/>
+          </a:p>
+          <a:p>
+            <a:pPr algn="ctr"/>
+            <a:r>
+              <a:rPr lang="en-US" altLang="zh-CN" dirty="0" smtClean="0"/>
+              <a:t>Content-Range</a:t>
+            </a:r>
+            <a:r>
+              <a:rPr lang="en-US" altLang="zh-CN" dirty="0"/>
+              <a:t>: bytes 0-1023/146515 </a:t>
+            </a:r>
+          </a:p>
+          <a:p>
+            <a:pPr algn="ctr"/>
+            <a:r>
+              <a:rPr lang="en-US" altLang="zh-CN" dirty="0" smtClean="0"/>
+              <a:t>Content-Length</a:t>
+            </a:r>
+            <a:r>
+              <a:rPr lang="en-US" altLang="zh-CN" dirty="0"/>
+              <a:t>: 1024 .</a:t>
+            </a:r>
+            <a:endParaRPr lang="zh-CN" altLang="en-US" dirty="0"/>
+          </a:p>
+        </p:txBody>
+      </p:sp>
+      <p:pic>
+        <p:nvPicPr>
+          <p:cNvPr id="2" name="Picture 2"/>
+          <p:cNvPicPr>
+            <a:picLocks noChangeAspect="1" noChangeArrowheads="1"/>
+          </p:cNvPicPr>
+          <p:nvPr/>
+        </p:nvPicPr>
+        <p:blipFill>
+          <a:blip r:embed="rId7">
+            <a:extLst>
+              <a:ext uri="{28A0092B-C50C-407E-A947-70E740481C1C}">
+                <a14:useLocalDpi xmlns:a14="http://schemas.microsoft.com/office/drawing/2010/main" val="0"/>
+              </a:ext>
+            </a:extLst>
+          </a:blip>
+          <a:srcRect/>
+          <a:stretch>
+            <a:fillRect/>
+          </a:stretch>
+        </p:blipFill>
+        <p:spPr bwMode="auto">
+          <a:xfrm>
+            <a:off x="377966" y="2568771"/>
+            <a:ext cx="3448050" cy="1247775"/>
+          </a:xfrm>
+          <a:prstGeom prst="rect">
+            <a:avLst/>
+          </a:prstGeom>
+          <a:noFill/>
+          <a:ln>
+            <a:noFill/>
+          </a:ln>
+          <a:extLst>
+            <a:ext uri="{909E8E84-426E-40DD-AFC4-6F175D3DCCD1}">
+              <a14:hiddenFill xmlns:a14="http://schemas.microsoft.com/office/drawing/2010/main">
+                <a:solidFill>
+                  <a:schemeClr val="accent1"/>
+                </a:solidFill>
+              </a14:hiddenFill>
+            </a:ext>
+            <a:ext uri="{91240B29-F687-4F45-9708-019B960494DF}">
+              <a14:hiddenLine xmlns:a14="http://schemas.microsoft.com/office/drawing/2010/main" w="9525">
+                <a:solidFill>
+                  <a:schemeClr val="tx1"/>
+                </a:solidFill>
+                <a:miter lim="800000"/>
+                <a:headEnd/>
+                <a:tailEnd/>
+              </a14:hiddenLine>
+            </a:ext>
+          </a:extLst>
+        </p:spPr>
+      </p:pic>
+    </p:spTree>
+    <p:extLst>
+      <p:ext uri="{BB962C8B-B14F-4D97-AF65-F5344CB8AC3E}">
+        <p14:creationId xmlns:p14="http://schemas.microsoft.com/office/powerpoint/2010/main" val="2212838927"/>
+      </p:ext>
+    </p:extLst>
+  </p:cSld>
+  <p:clrMapOvr>
+    <a:masterClrMapping/>
+  </p:clrMapOvr>
+  <mc:AlternateContent xmlns:mc="http://schemas.openxmlformats.org/markup-compatibility/2006" xmlns:p14="http://schemas.microsoft.com/office/powerpoint/2010/main">
+    <mc:Choice Requires="p14">
+      <p:transition spd="slow" p14:dur="1250" advTm="3000">
+        <p14:flip dir="r"/>
+      </p:transition>
+    </mc:Choice>
+    <mc:Fallback xmlns="">
+      <p:transition spd="slow" advTm="3000">
+        <p:fade/>
+      </p:transition>
+    </mc:Fallback>
+  </mc:AlternateContent>
+  <p:timing>
+    <p:tnLst>
+      <p:par>
+        <p:cTn id="1" dur="indefinite" restart="never" nodeType="tmRoot">
+          <p:childTnLst>
+            <p:seq concurrent="1" nextAc="seek">
+              <p:cTn id="2" dur="indefinite" nodeType="mainSeq">
+                <p:childTnLst>
+                  <p:par>
+                    <p:cTn id="3" fill="hold">
+                      <p:stCondLst>
+                        <p:cond delay="indefinite"/>
+                        <p:cond evt="onBegin" delay="0">
+                          <p:tn val="2"/>
+                        </p:cond>
+                      </p:stCondLst>
+                      <p:childTnLst>
+                        <p:par>
+                          <p:cTn id="4" fill="hold">
+                            <p:stCondLst>
+                              <p:cond delay="0"/>
+                            </p:stCondLst>
+                            <p:childTnLst>
+                              <p:par>
+                                <p:cTn id="5" presetID="12" presetClass="entr" presetSubtype="2" fill="hold" nodeType="afterEffect">
+                                  <p:stCondLst>
+                                    <p:cond delay="0"/>
+                                  </p:stCondLst>
+                                  <p:childTnLst>
+                                    <p:set>
+                                      <p:cBhvr>
+                                        <p:cTn id="6" dur="1" fill="hold">
+                                          <p:stCondLst>
+                                            <p:cond delay="0"/>
+                                          </p:stCondLst>
+                                        </p:cTn>
+                                        <p:tgtEl>
+                                          <p:spTgt spid="4"/>
+                                        </p:tgtEl>
+                                        <p:attrNameLst>
+                                          <p:attrName>style.visibility</p:attrName>
+                                        </p:attrNameLst>
+                                      </p:cBhvr>
+                                      <p:to>
+                                        <p:strVal val="visible"/>
+                                      </p:to>
+                                    </p:set>
+                                    <p:animEffect transition="in" filter="slide(fromRight)">
+                                      <p:cBhvr>
+                                        <p:cTn id="7" dur="500"/>
+                                        <p:tgtEl>
+                                          <p:spTgt spid="4"/>
+                                        </p:tgtEl>
+                                      </p:cBhvr>
+                                    </p:animEffect>
+                                  </p:childTnLst>
+                                </p:cTn>
+                              </p:par>
+                            </p:childTnLst>
+                          </p:cTn>
+                        </p:par>
+                        <p:par>
+                          <p:cTn id="8" fill="hold">
+                            <p:stCondLst>
+                              <p:cond delay="500"/>
+                            </p:stCondLst>
+                            <p:childTnLst>
+                              <p:par>
+                                <p:cTn id="9" presetID="12" presetClass="entr" presetSubtype="8" fill="hold" nodeType="afterEffect">
+                                  <p:stCondLst>
+                                    <p:cond delay="0"/>
+                                  </p:stCondLst>
+                                  <p:childTnLst>
+                                    <p:set>
+                                      <p:cBhvr>
+                                        <p:cTn id="10" dur="1" fill="hold">
+                                          <p:stCondLst>
+                                            <p:cond delay="0"/>
+                                          </p:stCondLst>
+                                        </p:cTn>
+                                        <p:tgtEl>
+                                          <p:spTgt spid="6"/>
+                                        </p:tgtEl>
+                                        <p:attrNameLst>
+                                          <p:attrName>style.visibility</p:attrName>
+                                        </p:attrNameLst>
+                                      </p:cBhvr>
+                                      <p:to>
+                                        <p:strVal val="visible"/>
+                                      </p:to>
+                                    </p:set>
+                                    <p:animEffect transition="in" filter="slide(fromLeft)">
+                                      <p:cBhvr>
+                                        <p:cTn id="11" dur="500"/>
+                                        <p:tgtEl>
+                                          <p:spTgt spid="6"/>
+                                        </p:tgtEl>
+                                      </p:cBhvr>
+                                    </p:animEffect>
+                                  </p:childTnLst>
+                                </p:cTn>
+                              </p:par>
+                            </p:childTnLst>
+                          </p:cTn>
+                        </p:par>
+                        <p:par>
+                          <p:cTn id="12" fill="hold">
+                            <p:stCondLst>
+                              <p:cond delay="1000"/>
+                            </p:stCondLst>
+                            <p:childTnLst>
+                              <p:par>
+                                <p:cTn id="13" presetID="12" presetClass="entr" presetSubtype="2" fill="hold" nodeType="afterEffect">
+                                  <p:stCondLst>
+                                    <p:cond delay="0"/>
+                                  </p:stCondLst>
+                                  <p:childTnLst>
+                                    <p:set>
+                                      <p:cBhvr>
+                                        <p:cTn id="14" dur="1" fill="hold">
+                                          <p:stCondLst>
+                                            <p:cond delay="0"/>
+                                          </p:stCondLst>
+                                        </p:cTn>
+                                        <p:tgtEl>
+                                          <p:spTgt spid="8"/>
+                                        </p:tgtEl>
+                                        <p:attrNameLst>
+                                          <p:attrName>style.visibility</p:attrName>
+                                        </p:attrNameLst>
+                                      </p:cBhvr>
+                                      <p:to>
+                                        <p:strVal val="visible"/>
+                                      </p:to>
+                                    </p:set>
+                                    <p:animEffect transition="in" filter="slide(fromRight)">
+                                      <p:cBhvr>
+                                        <p:cTn id="15" dur="500"/>
+                                        <p:tgtEl>
+                                          <p:spTgt spid="8"/>
+                                        </p:tgtEl>
+                                      </p:cBhvr>
+                                    </p:animEffect>
+                                  </p:childTnLst>
+                                </p:cTn>
+                              </p:par>
+                            </p:childTnLst>
+                          </p:cTn>
+                        </p:par>
+                      </p:childTnLst>
+                    </p:cTn>
+                  </p:par>
+                </p:childTnLst>
+              </p:cTn>
+              <p:prevCondLst>
+                <p:cond evt="onPrev" delay="0">
+                  <p:tgtEl>
+                    <p:sldTgt/>
+                  </p:tgtEl>
+                </p:cond>
+              </p:prevCondLst>
+              <p:nextCondLst>
+                <p:cond evt="onNext" delay="0">
+                  <p:tgtEl>
+                    <p:sldTgt/>
+                  </p:tgtEl>
+                </p:cond>
+              </p:nextCondLst>
+            </p:seq>
+          </p:childTnLst>
+        </p:cTn>
+      </p:par>
+    </p:tnLst>
+  </p:timing>
+</p:sld>
+</file>
+
+<file path=ppt/slides/slide5.xml><?xml version="1.0" encoding="utf-8"?>
+<p:sld xmlns:a="http://schemas.openxmlformats.org/drawingml/2006/main" xmlns:r="http://schemas.openxmlformats.org/officeDocument/2006/relationships" xmlns:p="http://schemas.openxmlformats.org/presentationml/2006/main">
+  <p:cSld>
+    <p:spTree>
+      <p:nvGrpSpPr>
+        <p:cNvPr id="1" name=""/>
+        <p:cNvGrpSpPr/>
+        <p:nvPr/>
+      </p:nvGrpSpPr>
+      <p:grpSpPr>
+        <a:xfrm>
+          <a:off x="0" y="0"/>
+          <a:ext cx="0" cy="0"/>
+          <a:chOff x="0" y="0"/>
+          <a:chExt cx="0" cy="0"/>
+        </a:xfrm>
+      </p:grpSpPr>
       <p:sp>
         <p:nvSpPr>
           <p:cNvPr id="4" name="矩形 3"/>
@@ -5582,14 +7039,14 @@
           </a:ln>
           <a:extLst>
             <a:ext uri="{909E8E84-426E-40DD-AFC4-6F175D3DCCD1}">
-              <a14:hiddenFill xmlns="" xmlns:a14="http://schemas.microsoft.com/office/drawing/2010/main">
+              <a14:hiddenFill xmlns:a14="http://schemas.microsoft.com/office/drawing/2010/main">
                 <a:solidFill>
                   <a:srgbClr val="FFFFFF"/>
                 </a:solidFill>
               </a14:hiddenFill>
             </a:ext>
             <a:ext uri="{91240B29-F687-4F45-9708-019B960494DF}">
-              <a14:hiddenLine xmlns="" xmlns:a14="http://schemas.microsoft.com/office/drawing/2010/main" w="9525">
+              <a14:hiddenLine xmlns:a14="http://schemas.microsoft.com/office/drawing/2010/main" w="9525">
                 <a:solidFill>
                   <a:srgbClr val="000000"/>
                 </a:solidFill>
@@ -5797,14 +7254,14 @@
           </a:ln>
           <a:extLst>
             <a:ext uri="{909E8E84-426E-40DD-AFC4-6F175D3DCCD1}">
-              <a14:hiddenFill xmlns="" xmlns:a14="http://schemas.microsoft.com/office/drawing/2010/main">
+              <a14:hiddenFill xmlns:a14="http://schemas.microsoft.com/office/drawing/2010/main">
                 <a:solidFill>
                   <a:srgbClr val="FFFFFF"/>
                 </a:solidFill>
               </a14:hiddenFill>
             </a:ext>
             <a:ext uri="{91240B29-F687-4F45-9708-019B960494DF}">
-              <a14:hiddenLine xmlns="" xmlns:a14="http://schemas.microsoft.com/office/drawing/2010/main" w="9525">
+              <a14:hiddenLine xmlns:a14="http://schemas.microsoft.com/office/drawing/2010/main" w="9525">
                 <a:solidFill>
                   <a:srgbClr val="000000"/>
                 </a:solidFill>
@@ -6009,7 +7466,7 @@
           </a:ln>
           <a:extLst>
             <a:ext uri="{909E8E84-426E-40DD-AFC4-6F175D3DCCD1}">
-              <a14:hiddenFill xmlns="" xmlns:a14="http://schemas.microsoft.com/office/drawing/2010/main">
+              <a14:hiddenFill xmlns:a14="http://schemas.microsoft.com/office/drawing/2010/main">
                 <a:solidFill>
                   <a:srgbClr val="FFFFFF"/>
                 </a:solidFill>
@@ -6235,7 +7692,7 @@
           </a:ln>
           <a:extLst>
             <a:ext uri="{909E8E84-426E-40DD-AFC4-6F175D3DCCD1}">
-              <a14:hiddenFill xmlns="" xmlns:a14="http://schemas.microsoft.com/office/drawing/2010/main">
+              <a14:hiddenFill xmlns:a14="http://schemas.microsoft.com/office/drawing/2010/main">
                 <a:solidFill>
                   <a:srgbClr val="FFFFFF"/>
                 </a:solidFill>
@@ -6424,7 +7881,7 @@
     <a:masterClrMapping/>
   </p:clrMapOvr>
   <mc:AlternateContent xmlns:mc="http://schemas.openxmlformats.org/markup-compatibility/2006">
-    <mc:Choice xmlns="" xmlns:p15="http://schemas.microsoft.com/office/powerpoint/2012/main" Requires="p15">
+    <mc:Choice xmlns:p15="http://schemas.microsoft.com/office/powerpoint/2012/main" xmlns="" Requires="p15">
       <p:transition xmlns:p14="http://schemas.microsoft.com/office/powerpoint/2010/main" spd="slow" Requires="p14" p14:dur="2000" advTm="0">
         <p15:prstTrans prst="crush"/>
       </p:transition>
@@ -7101,7 +8558,7 @@
         <a:sysClr val="windowText" lastClr="000000"/>
       </a:dk1>
       <a:lt1>
-        <a:sysClr val="window" lastClr="FFFFFF"/>
+        <a:sysClr val="window" lastClr="CCE8CF"/>
       </a:lt1>
       <a:dk2>
         <a:srgbClr val="44546A"/>
@@ -7348,7 +8805,7 @@
   <a:extraClrSchemeLst/>
   <a:extLst>
     <a:ext uri="{05A4C25C-085E-4340-85A3-A5531E510DB2}">
-      <thm15:themeFamily xmlns="" xmlns:thm15="http://schemas.microsoft.com/office/thememl/2012/main" name="Office Theme" id="{62F939B6-93AF-4DB8-9C6B-D6C7DFDC589F}" vid="{4A3C46E8-61CC-4603-A589-7422A47A8E4A}"/>
+      <thm15:themeFamily xmlns:thm15="http://schemas.microsoft.com/office/thememl/2012/main" xmlns="" name="Office Theme" id="{62F939B6-93AF-4DB8-9C6B-D6C7DFDC589F}" vid="{4A3C46E8-61CC-4603-A589-7422A47A8E4A}"/>
     </a:ext>
   </a:extLst>
 </a:theme>
@@ -7362,7 +8819,7 @@
         <a:sysClr val="windowText" lastClr="000000"/>
       </a:dk1>
       <a:lt1>
-        <a:sysClr val="window" lastClr="FFFFFF"/>
+        <a:sysClr val="window" lastClr="CCE8CF"/>
       </a:lt1>
       <a:dk2>
         <a:srgbClr val="1F497D"/>
@@ -7638,7 +9095,7 @@
   <a:extraClrSchemeLst/>
   <a:extLst>
     <a:ext uri="{05A4C25C-085E-4340-85A3-A5531E510DB2}">
-      <thm15:themeFamily xmlns="" xmlns:thm15="http://schemas.microsoft.com/office/thememl/2012/main" name="Office Theme" id="{62F939B6-93AF-4DB8-9C6B-D6C7DFDC589F}" vid="{4A3C46E8-61CC-4603-A589-7422A47A8E4A}"/>
+      <thm15:themeFamily xmlns:thm15="http://schemas.microsoft.com/office/thememl/2012/main" xmlns="" name="Office Theme" id="{62F939B6-93AF-4DB8-9C6B-D6C7DFDC589F}" vid="{4A3C46E8-61CC-4603-A589-7422A47A8E4A}"/>
     </a:ext>
   </a:extLst>
 </a:theme>
@@ -7652,7 +9109,7 @@
         <a:sysClr val="windowText" lastClr="000000"/>
       </a:dk1>
       <a:lt1>
-        <a:sysClr val="window" lastClr="FFFFFF"/>
+        <a:sysClr val="window" lastClr="CCE8CF"/>
       </a:lt1>
       <a:dk2>
         <a:srgbClr val="44546A"/>
@@ -7899,7 +9356,7 @@
   <a:extraClrSchemeLst/>
   <a:extLst>
     <a:ext uri="{05A4C25C-085E-4340-85A3-A5531E510DB2}">
-      <thm15:themeFamily xmlns="" xmlns:thm15="http://schemas.microsoft.com/office/thememl/2012/main" name="Office Theme" id="{62F939B6-93AF-4DB8-9C6B-D6C7DFDC589F}" vid="{4A3C46E8-61CC-4603-A589-7422A47A8E4A}"/>
+      <thm15:themeFamily xmlns:thm15="http://schemas.microsoft.com/office/thememl/2012/main" xmlns="" name="Office Theme" id="{62F939B6-93AF-4DB8-9C6B-D6C7DFDC589F}" vid="{4A3C46E8-61CC-4603-A589-7422A47A8E4A}"/>
     </a:ext>
   </a:extLst>
 </a:theme>

--- a/KM/ppt/2020/读写锁.pptx
+++ b/KM/ppt/2020/读写锁.pptx
@@ -233,7 +233,7 @@
             <a:fld id="{E9630DBF-D010-4114-9DE3-41E342A27C18}" type="datetimeFigureOut">
               <a:rPr lang="zh-CN" altLang="en-US" smtClean="0"/>
               <a:pPr/>
-              <a:t>2020/2/3</a:t>
+              <a:t>2020/2/5</a:t>
             </a:fld>
             <a:endParaRPr lang="zh-CN" altLang="en-US"/>
           </a:p>
@@ -408,7 +408,7 @@
               <a:pPr>
                 <a:defRPr/>
               </a:pPr>
-              <a:t>2020/2/3</a:t>
+              <a:t>2020/2/5</a:t>
             </a:fld>
             <a:endParaRPr lang="zh-CN" altLang="en-US"/>
           </a:p>
@@ -921,10 +921,61 @@
           <a:lstStyle/>
           <a:p>
             <a:r>
-              <a:rPr lang="en-US" dirty="0" smtClean="0">
+              <a:rPr lang="en-US" altLang="zh-CN" dirty="0" smtClean="0">
                 <a:hlinkClick r:id="rId3"/>
               </a:rPr>
-              <a:t>https://github.com/aleafboat/unixCode</a:t>
+              <a:t>https://</a:t>
+            </a:r>
+            <a:r>
+              <a:rPr lang="en-US" altLang="zh-CN" dirty="0" err="1" smtClean="0">
+                <a:hlinkClick r:id="rId3"/>
+              </a:rPr>
+              <a:t>blog.csdn.net</a:t>
+            </a:r>
+            <a:r>
+              <a:rPr lang="en-US" altLang="zh-CN" dirty="0" smtClean="0">
+                <a:hlinkClick r:id="rId3"/>
+              </a:rPr>
+              <a:t>/</a:t>
+            </a:r>
+            <a:r>
+              <a:rPr lang="en-US" altLang="zh-CN" dirty="0" err="1" smtClean="0">
+                <a:hlinkClick r:id="rId3"/>
+              </a:rPr>
+              <a:t>nullcanon</a:t>
+            </a:r>
+            <a:r>
+              <a:rPr lang="en-US" altLang="zh-CN" dirty="0" smtClean="0">
+                <a:hlinkClick r:id="rId3"/>
+              </a:rPr>
+              <a:t>/article/details/79860088</a:t>
+            </a:r>
+            <a:endParaRPr lang="en-US" altLang="zh-CN" dirty="0" smtClean="0"/>
+          </a:p>
+          <a:p>
+            <a:r>
+              <a:rPr lang="en-US" altLang="zh-CN" dirty="0" smtClean="0">
+                <a:hlinkClick r:id="rId4"/>
+              </a:rPr>
+              <a:t>https://</a:t>
+            </a:r>
+            <a:r>
+              <a:rPr lang="en-US" altLang="zh-CN" dirty="0" err="1" smtClean="0">
+                <a:hlinkClick r:id="rId4"/>
+              </a:rPr>
+              <a:t>www.json.org</a:t>
+            </a:r>
+            <a:r>
+              <a:rPr lang="en-US" altLang="zh-CN" dirty="0" smtClean="0">
+                <a:hlinkClick r:id="rId4"/>
+              </a:rPr>
+              <a:t>/</a:t>
+            </a:r>
+            <a:r>
+              <a:rPr lang="en-US" altLang="zh-CN" smtClean="0">
+                <a:hlinkClick r:id="rId4"/>
+              </a:rPr>
+              <a:t>json-en.html</a:t>
             </a:r>
             <a:endParaRPr lang="zh-CN" altLang="en-US" dirty="0"/>
           </a:p>
@@ -1077,7 +1128,7 @@
             <a:fld id="{32BF82D2-7A68-459D-A996-9BDDA2518FA4}" type="datetimeFigureOut">
               <a:rPr lang="zh-CN" altLang="en-US" smtClean="0"/>
               <a:pPr/>
-              <a:t>2020/2/3</a:t>
+              <a:t>2020/2/5</a:t>
             </a:fld>
             <a:endParaRPr lang="zh-CN" altLang="en-US"/>
           </a:p>
@@ -1199,7 +1250,7 @@
             <a:fld id="{32BF82D2-7A68-459D-A996-9BDDA2518FA4}" type="datetimeFigureOut">
               <a:rPr lang="zh-CN" altLang="en-US" smtClean="0"/>
               <a:pPr/>
-              <a:t>2020/2/3</a:t>
+              <a:t>2020/2/5</a:t>
             </a:fld>
             <a:endParaRPr lang="zh-CN" altLang="en-US"/>
           </a:p>
@@ -1982,7 +2033,7 @@
             <a:fld id="{32BF82D2-7A68-459D-A996-9BDDA2518FA4}" type="datetimeFigureOut">
               <a:rPr lang="zh-CN" altLang="en-US" smtClean="0"/>
               <a:pPr/>
-              <a:t>2020/2/3</a:t>
+              <a:t>2020/2/5</a:t>
             </a:fld>
             <a:endParaRPr lang="zh-CN" altLang="en-US"/>
           </a:p>
@@ -3568,7 +3619,7 @@
     <a:masterClrMapping/>
   </p:clrMapOvr>
   <mc:AlternateContent xmlns:mc="http://schemas.openxmlformats.org/markup-compatibility/2006">
-    <mc:Choice xmlns:p15="http://schemas.microsoft.com/office/powerpoint/2012/main" xmlns="" Requires="p15">
+    <mc:Choice xmlns="" xmlns:p15="http://schemas.microsoft.com/office/powerpoint/2012/main" Requires="p15">
       <p:transition xmlns:p14="http://schemas.microsoft.com/office/powerpoint/2010/main" spd="slow" Requires="p14" p14:dur="1250" advTm="4000">
         <p15:prstTrans prst="airplane"/>
       </p:transition>
@@ -5613,9 +5664,9 @@
         <p:grpSpPr>
           <a:xfrm>
             <a:off x="6443292" y="1491699"/>
-            <a:ext cx="6027206" cy="2410900"/>
+            <a:ext cx="6027206" cy="3066876"/>
             <a:chOff x="4511597" y="1167196"/>
-            <a:chExt cx="4286248" cy="1714512"/>
+            <a:chExt cx="4286248" cy="2181009"/>
           </a:xfrm>
         </p:grpSpPr>
         <p:sp>
@@ -5673,8 +5724,8 @@
           </p:nvSpPr>
           <p:spPr>
             <a:xfrm>
-              <a:off x="4806519" y="1509652"/>
-              <a:ext cx="1981322" cy="886445"/>
+              <a:off x="4603306" y="1509652"/>
+              <a:ext cx="2184534" cy="1838553"/>
             </a:xfrm>
             <a:prstGeom prst="rect">
               <a:avLst/>
@@ -5692,7 +5743,7 @@
                 </a:lnSpc>
               </a:pPr>
               <a:r>
-                <a:rPr lang="en-US" altLang="zh-CN" dirty="0">
+                <a:rPr lang="zh-CN" altLang="en-US" sz="2000" dirty="0" smtClean="0">
                   <a:solidFill>
                     <a:srgbClr val="FF0000"/>
                   </a:solidFill>
@@ -5700,10 +5751,10 @@
                   <a:ea typeface="微软雅黑" panose="020B0503020204020204" pitchFamily="34" charset="-122"/>
                   <a:sym typeface="Arial" panose="020B0604020202020204" pitchFamily="34" charset="0"/>
                 </a:rPr>
-                <a:t> </a:t>
+                <a:t>有</a:t>
               </a:r>
               <a:r>
-                <a:rPr lang="en-US" altLang="zh-CN" dirty="0" smtClean="0">
+                <a:rPr lang="zh-CN" altLang="en-US" sz="2000" dirty="0">
                   <a:solidFill>
                     <a:srgbClr val="FF0000"/>
                   </a:solidFill>
@@ -5711,10 +5762,10 @@
                   <a:ea typeface="微软雅黑" panose="020B0503020204020204" pitchFamily="34" charset="-122"/>
                   <a:sym typeface="Arial" panose="020B0604020202020204" pitchFamily="34" charset="0"/>
                 </a:rPr>
-                <a:t> </a:t>
+                <a:t>限状态自动机实现高效</a:t>
               </a:r>
               <a:r>
-                <a:rPr lang="en-US" altLang="zh-CN" dirty="0" err="1" smtClean="0">
+                <a:rPr lang="en-US" altLang="zh-CN" sz="2000" dirty="0">
                   <a:solidFill>
                     <a:srgbClr val="FF0000"/>
                   </a:solidFill>
@@ -5722,10 +5773,10 @@
                   <a:ea typeface="微软雅黑" panose="020B0503020204020204" pitchFamily="34" charset="-122"/>
                   <a:sym typeface="Arial" panose="020B0604020202020204" pitchFamily="34" charset="0"/>
                 </a:rPr>
-                <a:t>JSON</a:t>
+                <a:t>xml/</a:t>
               </a:r>
               <a:r>
-                <a:rPr lang="en-US" altLang="zh-CN" dirty="0" smtClean="0">
+                <a:rPr lang="en-US" altLang="zh-CN" sz="2000" dirty="0" err="1">
                   <a:solidFill>
                     <a:srgbClr val="FF0000"/>
                   </a:solidFill>
@@ -5733,10 +5784,10 @@
                   <a:ea typeface="微软雅黑" panose="020B0503020204020204" pitchFamily="34" charset="-122"/>
                   <a:sym typeface="Arial" panose="020B0604020202020204" pitchFamily="34" charset="0"/>
                 </a:rPr>
-                <a:t> </a:t>
+                <a:t>json</a:t>
               </a:r>
               <a:r>
-                <a:rPr lang="zh-CN" altLang="en-US">
+                <a:rPr lang="zh-CN" altLang="en-US" sz="2000" dirty="0">
                   <a:solidFill>
                     <a:srgbClr val="FF0000"/>
                   </a:solidFill>
@@ -5744,9 +5795,20 @@
                   <a:ea typeface="微软雅黑" panose="020B0503020204020204" pitchFamily="34" charset="-122"/>
                   <a:sym typeface="Arial" panose="020B0604020202020204" pitchFamily="34" charset="0"/>
                 </a:rPr>
-                <a:t>格式</a:t>
+                <a:t>解析</a:t>
               </a:r>
-              <a:endParaRPr lang="en-US" altLang="zh-CN" dirty="0" smtClean="0">
+              <a:r>
+                <a:rPr lang="zh-CN" altLang="en-US" sz="2000" dirty="0" smtClean="0">
+                  <a:solidFill>
+                    <a:srgbClr val="FF0000"/>
+                  </a:solidFill>
+                  <a:latin typeface="Arial" panose="020B0604020202020204" pitchFamily="34" charset="0"/>
+                  <a:ea typeface="微软雅黑" panose="020B0503020204020204" pitchFamily="34" charset="-122"/>
+                  <a:sym typeface="Arial" panose="020B0604020202020204" pitchFamily="34" charset="0"/>
+                </a:rPr>
+                <a:t>器</a:t>
+              </a:r>
+              <a:endParaRPr lang="en-US" altLang="zh-CN" sz="2000" dirty="0" smtClean="0">
                 <a:solidFill>
                   <a:srgbClr val="FF0000"/>
                 </a:solidFill>
@@ -5761,29 +5823,37 @@
                   <a:spcPct val="150000"/>
                 </a:lnSpc>
               </a:pPr>
-              <a:r>
-                <a:rPr lang="zh-CN" altLang="en-US" dirty="0">
-                  <a:solidFill>
-                    <a:srgbClr val="FF0000"/>
-                  </a:solidFill>
-                  <a:latin typeface="Arial" panose="020B0604020202020204" pitchFamily="34" charset="0"/>
-                  <a:ea typeface="微软雅黑" panose="020B0503020204020204" pitchFamily="34" charset="-122"/>
-                  <a:sym typeface="Arial" panose="020B0604020202020204" pitchFamily="34" charset="0"/>
-                </a:rPr>
-                <a:t>状态</a:t>
-              </a:r>
-              <a:r>
-                <a:rPr lang="zh-CN" altLang="en-US" dirty="0" smtClean="0">
-                  <a:solidFill>
-                    <a:srgbClr val="FF0000"/>
-                  </a:solidFill>
-                  <a:latin typeface="Arial" panose="020B0604020202020204" pitchFamily="34" charset="0"/>
-                  <a:ea typeface="微软雅黑" panose="020B0503020204020204" pitchFamily="34" charset="-122"/>
-                  <a:sym typeface="Arial" panose="020B0604020202020204" pitchFamily="34" charset="0"/>
-                </a:rPr>
-                <a:t>机 </a:t>
-              </a:r>
               <a:endParaRPr lang="en-US" altLang="zh-CN" dirty="0" smtClean="0">
+                <a:solidFill>
+                  <a:srgbClr val="FF0000"/>
+                </a:solidFill>
+                <a:latin typeface="Arial" panose="020B0604020202020204" pitchFamily="34" charset="0"/>
+                <a:ea typeface="微软雅黑" panose="020B0503020204020204" pitchFamily="34" charset="-122"/>
+                <a:sym typeface="Arial" panose="020B0604020202020204" pitchFamily="34" charset="0"/>
+              </a:endParaRPr>
+            </a:p>
+            <a:p>
+              <a:pPr>
+                <a:lnSpc>
+                  <a:spcPct val="150000"/>
+                </a:lnSpc>
+              </a:pPr>
+              <a:endParaRPr lang="en-US" altLang="zh-CN" dirty="0">
+                <a:solidFill>
+                  <a:srgbClr val="FF0000"/>
+                </a:solidFill>
+                <a:latin typeface="Arial" panose="020B0604020202020204" pitchFamily="34" charset="0"/>
+                <a:ea typeface="微软雅黑" panose="020B0503020204020204" pitchFamily="34" charset="-122"/>
+                <a:sym typeface="Arial" panose="020B0604020202020204" pitchFamily="34" charset="0"/>
+              </a:endParaRPr>
+            </a:p>
+            <a:p>
+              <a:pPr>
+                <a:lnSpc>
+                  <a:spcPct val="150000"/>
+                </a:lnSpc>
+              </a:pPr>
+              <a:endParaRPr lang="en-US" altLang="zh-CN" dirty="0">
                 <a:solidFill>
                   <a:srgbClr val="FF0000"/>
                 </a:solidFill>
@@ -7881,7 +7951,7 @@
     <a:masterClrMapping/>
   </p:clrMapOvr>
   <mc:AlternateContent xmlns:mc="http://schemas.openxmlformats.org/markup-compatibility/2006">
-    <mc:Choice xmlns:p15="http://schemas.microsoft.com/office/powerpoint/2012/main" xmlns="" Requires="p15">
+    <mc:Choice xmlns="" xmlns:p15="http://schemas.microsoft.com/office/powerpoint/2012/main" Requires="p15">
       <p:transition xmlns:p14="http://schemas.microsoft.com/office/powerpoint/2010/main" spd="slow" Requires="p14" p14:dur="2000" advTm="0">
         <p15:prstTrans prst="crush"/>
       </p:transition>
@@ -8805,7 +8875,7 @@
   <a:extraClrSchemeLst/>
   <a:extLst>
     <a:ext uri="{05A4C25C-085E-4340-85A3-A5531E510DB2}">
-      <thm15:themeFamily xmlns:thm15="http://schemas.microsoft.com/office/thememl/2012/main" xmlns="" name="Office Theme" id="{62F939B6-93AF-4DB8-9C6B-D6C7DFDC589F}" vid="{4A3C46E8-61CC-4603-A589-7422A47A8E4A}"/>
+      <thm15:themeFamily xmlns="" xmlns:thm15="http://schemas.microsoft.com/office/thememl/2012/main" name="Office Theme" id="{62F939B6-93AF-4DB8-9C6B-D6C7DFDC589F}" vid="{4A3C46E8-61CC-4603-A589-7422A47A8E4A}"/>
     </a:ext>
   </a:extLst>
 </a:theme>
@@ -9095,7 +9165,7 @@
   <a:extraClrSchemeLst/>
   <a:extLst>
     <a:ext uri="{05A4C25C-085E-4340-85A3-A5531E510DB2}">
-      <thm15:themeFamily xmlns:thm15="http://schemas.microsoft.com/office/thememl/2012/main" xmlns="" name="Office Theme" id="{62F939B6-93AF-4DB8-9C6B-D6C7DFDC589F}" vid="{4A3C46E8-61CC-4603-A589-7422A47A8E4A}"/>
+      <thm15:themeFamily xmlns="" xmlns:thm15="http://schemas.microsoft.com/office/thememl/2012/main" name="Office Theme" id="{62F939B6-93AF-4DB8-9C6B-D6C7DFDC589F}" vid="{4A3C46E8-61CC-4603-A589-7422A47A8E4A}"/>
     </a:ext>
   </a:extLst>
 </a:theme>
@@ -9356,7 +9426,7 @@
   <a:extraClrSchemeLst/>
   <a:extLst>
     <a:ext uri="{05A4C25C-085E-4340-85A3-A5531E510DB2}">
-      <thm15:themeFamily xmlns:thm15="http://schemas.microsoft.com/office/thememl/2012/main" xmlns="" name="Office Theme" id="{62F939B6-93AF-4DB8-9C6B-D6C7DFDC589F}" vid="{4A3C46E8-61CC-4603-A589-7422A47A8E4A}"/>
+      <thm15:themeFamily xmlns="" xmlns:thm15="http://schemas.microsoft.com/office/thememl/2012/main" name="Office Theme" id="{62F939B6-93AF-4DB8-9C6B-D6C7DFDC589F}" vid="{4A3C46E8-61CC-4603-A589-7422A47A8E4A}"/>
     </a:ext>
   </a:extLst>
 </a:theme>
